--- a/PARS.pptx
+++ b/PARS.pptx
@@ -7,6 +7,7 @@
   <p:sldIdLst>
     <p:sldId id="256" r:id="rId2"/>
     <p:sldId id="257" r:id="rId3"/>
+    <p:sldId id="258" r:id="rId4"/>
   </p:sldIdLst>
   <p:sldSz cx="12192000" cy="6858000"/>
   <p:notesSz cx="6858000" cy="9144000"/>
@@ -105,6 +106,11 @@
       </a:defRPr>
     </a:lvl9pPr>
   </p:defaultTextStyle>
+  <p:extLst>
+    <p:ext uri="{EFAFB233-063F-42B5-8137-9DF3F51BA10A}">
+      <p15:sldGuideLst xmlns:p15="http://schemas.microsoft.com/office/powerpoint/2012/main"/>
+    </p:ext>
+  </p:extLst>
 </p:presentation>
 </file>
 
@@ -239,7 +245,7 @@
           <a:p>
             <a:fld id="{BC2CB47A-4290-47DD-B19E-C265A37A9DFE}" type="datetimeFigureOut">
               <a:rPr lang="en-US" smtClean="0"/>
-              <a:t>9/10/2019</a:t>
+              <a:t>9/11/2019</a:t>
             </a:fld>
             <a:endParaRPr lang="en-US"/>
           </a:p>
@@ -409,7 +415,7 @@
           <a:p>
             <a:fld id="{BC2CB47A-4290-47DD-B19E-C265A37A9DFE}" type="datetimeFigureOut">
               <a:rPr lang="en-US" smtClean="0"/>
-              <a:t>9/10/2019</a:t>
+              <a:t>9/11/2019</a:t>
             </a:fld>
             <a:endParaRPr lang="en-US"/>
           </a:p>
@@ -589,7 +595,7 @@
           <a:p>
             <a:fld id="{BC2CB47A-4290-47DD-B19E-C265A37A9DFE}" type="datetimeFigureOut">
               <a:rPr lang="en-US" smtClean="0"/>
-              <a:t>9/10/2019</a:t>
+              <a:t>9/11/2019</a:t>
             </a:fld>
             <a:endParaRPr lang="en-US"/>
           </a:p>
@@ -759,7 +765,7 @@
           <a:p>
             <a:fld id="{BC2CB47A-4290-47DD-B19E-C265A37A9DFE}" type="datetimeFigureOut">
               <a:rPr lang="en-US" smtClean="0"/>
-              <a:t>9/10/2019</a:t>
+              <a:t>9/11/2019</a:t>
             </a:fld>
             <a:endParaRPr lang="en-US"/>
           </a:p>
@@ -1005,7 +1011,7 @@
           <a:p>
             <a:fld id="{BC2CB47A-4290-47DD-B19E-C265A37A9DFE}" type="datetimeFigureOut">
               <a:rPr lang="en-US" smtClean="0"/>
-              <a:t>9/10/2019</a:t>
+              <a:t>9/11/2019</a:t>
             </a:fld>
             <a:endParaRPr lang="en-US"/>
           </a:p>
@@ -1237,7 +1243,7 @@
           <a:p>
             <a:fld id="{BC2CB47A-4290-47DD-B19E-C265A37A9DFE}" type="datetimeFigureOut">
               <a:rPr lang="en-US" smtClean="0"/>
-              <a:t>9/10/2019</a:t>
+              <a:t>9/11/2019</a:t>
             </a:fld>
             <a:endParaRPr lang="en-US"/>
           </a:p>
@@ -1604,7 +1610,7 @@
           <a:p>
             <a:fld id="{BC2CB47A-4290-47DD-B19E-C265A37A9DFE}" type="datetimeFigureOut">
               <a:rPr lang="en-US" smtClean="0"/>
-              <a:t>9/10/2019</a:t>
+              <a:t>9/11/2019</a:t>
             </a:fld>
             <a:endParaRPr lang="en-US"/>
           </a:p>
@@ -1722,7 +1728,7 @@
           <a:p>
             <a:fld id="{BC2CB47A-4290-47DD-B19E-C265A37A9DFE}" type="datetimeFigureOut">
               <a:rPr lang="en-US" smtClean="0"/>
-              <a:t>9/10/2019</a:t>
+              <a:t>9/11/2019</a:t>
             </a:fld>
             <a:endParaRPr lang="en-US"/>
           </a:p>
@@ -1817,7 +1823,7 @@
           <a:p>
             <a:fld id="{BC2CB47A-4290-47DD-B19E-C265A37A9DFE}" type="datetimeFigureOut">
               <a:rPr lang="en-US" smtClean="0"/>
-              <a:t>9/10/2019</a:t>
+              <a:t>9/11/2019</a:t>
             </a:fld>
             <a:endParaRPr lang="en-US"/>
           </a:p>
@@ -2094,7 +2100,7 @@
           <a:p>
             <a:fld id="{BC2CB47A-4290-47DD-B19E-C265A37A9DFE}" type="datetimeFigureOut">
               <a:rPr lang="en-US" smtClean="0"/>
-              <a:t>9/10/2019</a:t>
+              <a:t>9/11/2019</a:t>
             </a:fld>
             <a:endParaRPr lang="en-US"/>
           </a:p>
@@ -2347,7 +2353,7 @@
           <a:p>
             <a:fld id="{BC2CB47A-4290-47DD-B19E-C265A37A9DFE}" type="datetimeFigureOut">
               <a:rPr lang="en-US" smtClean="0"/>
-              <a:t>9/10/2019</a:t>
+              <a:t>9/11/2019</a:t>
             </a:fld>
             <a:endParaRPr lang="en-US"/>
           </a:p>
@@ -2560,7 +2566,7 @@
           <a:p>
             <a:fld id="{BC2CB47A-4290-47DD-B19E-C265A37A9DFE}" type="datetimeFigureOut">
               <a:rPr lang="en-US" smtClean="0"/>
-              <a:t>9/10/2019</a:t>
+              <a:t>9/11/2019</a:t>
             </a:fld>
             <a:endParaRPr lang="en-US"/>
           </a:p>
@@ -3043,6 +3049,52 @@
           </a:p>
         </p:txBody>
       </p:sp>
+      <p:sp>
+        <p:nvSpPr>
+          <p:cNvPr id="3" name="TextBox 2"/>
+          <p:cNvSpPr txBox="1"/>
+          <p:nvPr/>
+        </p:nvSpPr>
+        <p:spPr>
+          <a:xfrm>
+            <a:off x="9993085" y="457200"/>
+            <a:ext cx="1972491" cy="1015663"/>
+          </a:xfrm>
+          <a:prstGeom prst="rect">
+            <a:avLst/>
+          </a:prstGeom>
+          <a:noFill/>
+        </p:spPr>
+        <p:txBody>
+          <a:bodyPr wrap="square" rtlCol="0">
+            <a:spAutoFit/>
+          </a:bodyPr>
+          <a:lstStyle/>
+          <a:p>
+            <a:r>
+              <a:rPr lang="en-US" sz="2000" dirty="0" smtClean="0"/>
+              <a:t>Ethan </a:t>
+            </a:r>
+            <a:r>
+              <a:rPr lang="en-US" sz="2000" dirty="0" err="1" smtClean="0"/>
+              <a:t>Hower</a:t>
+            </a:r>
+            <a:endParaRPr lang="en-US" sz="2000" dirty="0" smtClean="0"/>
+          </a:p>
+          <a:p>
+            <a:r>
+              <a:rPr lang="en-US" sz="2000" dirty="0" smtClean="0"/>
+              <a:t>Alan Yang</a:t>
+            </a:r>
+          </a:p>
+          <a:p>
+            <a:r>
+              <a:rPr lang="en-US" sz="2000" dirty="0" smtClean="0"/>
+              <a:t>Jonas Funk</a:t>
+            </a:r>
+          </a:p>
+        </p:txBody>
+      </p:sp>
     </p:spTree>
     <p:extLst>
       <p:ext uri="{BB962C8B-B14F-4D97-AF65-F5344CB8AC3E}">
@@ -3064,8 +3116,41 @@
 </file>
 
 <file path=ppt/slides/slide2.xml><?xml version="1.0" encoding="utf-8"?>
-<p:sld xmlns:a="http://schemas.openxmlformats.org/drawingml/2006/main" xmlns:r="http://schemas.openxmlformats.org/officeDocument/2006/relationships" xmlns:p="http://schemas.openxmlformats.org/presentationml/2006/main">
+<p:sld xmlns:a="http://schemas.openxmlformats.org/drawingml/2006/main" xmlns:r="http://schemas.openxmlformats.org/officeDocument/2006/relationships" xmlns:p="http://schemas.openxmlformats.org/presentationml/2006/main" showMasterSp="0">
   <p:cSld>
+    <p:bg>
+      <p:bgPr>
+        <a:gradFill>
+          <a:gsLst>
+            <a:gs pos="0">
+              <a:schemeClr val="bg1">
+                <a:lumMod val="50000"/>
+              </a:schemeClr>
+            </a:gs>
+            <a:gs pos="74000">
+              <a:schemeClr val="accent1">
+                <a:lumMod val="45000"/>
+                <a:lumOff val="55000"/>
+              </a:schemeClr>
+            </a:gs>
+            <a:gs pos="83000">
+              <a:schemeClr val="accent1">
+                <a:lumMod val="45000"/>
+                <a:lumOff val="55000"/>
+              </a:schemeClr>
+            </a:gs>
+            <a:gs pos="100000">
+              <a:schemeClr val="accent1">
+                <a:lumMod val="30000"/>
+                <a:lumOff val="70000"/>
+              </a:schemeClr>
+            </a:gs>
+          </a:gsLst>
+          <a:lin ang="5400000" scaled="1"/>
+        </a:gradFill>
+        <a:effectLst/>
+      </p:bgPr>
+    </p:bg>
     <p:spTree>
       <p:nvGrpSpPr>
         <p:cNvPr id="1" name=""/>
@@ -3120,15 +3205,18 @@
           <a:p>
             <a:r>
               <a:rPr lang="en-US" dirty="0" smtClean="0"/>
-              <a:t>Audience: Musicians</a:t>
-            </a:r>
-          </a:p>
-          <a:p>
+              <a:t>Audience: </a:t>
+            </a:r>
             <a:r>
               <a:rPr lang="en-US" dirty="0" smtClean="0"/>
-              <a:t>Purpose: </a:t>
-            </a:r>
-            <a:endParaRPr lang="en-US" dirty="0"/>
+              <a:t>Musicians</a:t>
+            </a:r>
+          </a:p>
+          <a:p>
+            <a:r>
+              <a:rPr lang="en-US" dirty="0" smtClean="0"/>
+              <a:t>Purpose: Allows musicians access to specific pieces of music (vocals, beats, percussion, instruments, etc.) to help them create their own music</a:t>
+            </a:r>
           </a:p>
         </p:txBody>
       </p:sp>
@@ -3149,6 +3237,100 @@
       </p:par>
     </p:tnLst>
   </p:timing>
+</p:sld>
+</file>
+
+<file path=ppt/slides/slide3.xml><?xml version="1.0" encoding="utf-8"?>
+<p:sld xmlns:a="http://schemas.openxmlformats.org/drawingml/2006/main" xmlns:r="http://schemas.openxmlformats.org/officeDocument/2006/relationships" xmlns:p="http://schemas.openxmlformats.org/presentationml/2006/main">
+  <p:cSld>
+    <p:spTree>
+      <p:nvGrpSpPr>
+        <p:cNvPr id="1" name=""/>
+        <p:cNvGrpSpPr/>
+        <p:nvPr/>
+      </p:nvGrpSpPr>
+      <p:grpSpPr>
+        <a:xfrm>
+          <a:off x="0" y="0"/>
+          <a:ext cx="0" cy="0"/>
+          <a:chOff x="0" y="0"/>
+          <a:chExt cx="0" cy="0"/>
+        </a:xfrm>
+      </p:grpSpPr>
+      <p:sp>
+        <p:nvSpPr>
+          <p:cNvPr id="2" name="Title 1"/>
+          <p:cNvSpPr>
+            <a:spLocks noGrp="1"/>
+          </p:cNvSpPr>
+          <p:nvPr>
+            <p:ph type="title"/>
+          </p:nvPr>
+        </p:nvSpPr>
+        <p:spPr/>
+        <p:txBody>
+          <a:bodyPr/>
+          <a:lstStyle/>
+          <a:p>
+            <a:r>
+              <a:rPr lang="en-US" dirty="0" smtClean="0"/>
+              <a:t>What?</a:t>
+            </a:r>
+            <a:endParaRPr lang="en-US" dirty="0"/>
+          </a:p>
+        </p:txBody>
+      </p:sp>
+      <p:sp>
+        <p:nvSpPr>
+          <p:cNvPr id="3" name="Content Placeholder 2"/>
+          <p:cNvSpPr>
+            <a:spLocks noGrp="1"/>
+          </p:cNvSpPr>
+          <p:nvPr>
+            <p:ph idx="1"/>
+          </p:nvPr>
+        </p:nvSpPr>
+        <p:spPr/>
+        <p:txBody>
+          <a:bodyPr/>
+          <a:lstStyle/>
+          <a:p>
+            <a:r>
+              <a:rPr lang="en-US" dirty="0" smtClean="0"/>
+              <a:t>Allows the user to search or browse through pieces of music to download for their own music creation</a:t>
+            </a:r>
+          </a:p>
+          <a:p>
+            <a:r>
+              <a:rPr lang="en-US" dirty="0" smtClean="0"/>
+              <a:t>Provides recommendations for user through algorithm</a:t>
+            </a:r>
+          </a:p>
+          <a:p>
+            <a:r>
+              <a:rPr lang="en-US" dirty="0" smtClean="0"/>
+              <a:t>Easily compatible with </a:t>
+            </a:r>
+            <a:r>
+              <a:rPr lang="en-US" smtClean="0"/>
+              <a:t>music editors</a:t>
+            </a:r>
+          </a:p>
+          <a:p>
+            <a:endParaRPr lang="en-US" dirty="0" smtClean="0"/>
+          </a:p>
+        </p:txBody>
+      </p:sp>
+    </p:spTree>
+    <p:extLst>
+      <p:ext uri="{BB962C8B-B14F-4D97-AF65-F5344CB8AC3E}">
+        <p14:creationId xmlns:p14="http://schemas.microsoft.com/office/powerpoint/2010/main" val="2834658849"/>
+      </p:ext>
+    </p:extLst>
+  </p:cSld>
+  <p:clrMapOvr>
+    <a:masterClrMapping/>
+  </p:clrMapOvr>
 </p:sld>
 </file>
 

--- a/PARS.pptx
+++ b/PARS.pptx
@@ -8,6 +8,8 @@
     <p:sldId id="256" r:id="rId2"/>
     <p:sldId id="257" r:id="rId3"/>
     <p:sldId id="258" r:id="rId4"/>
+    <p:sldId id="259" r:id="rId5"/>
+    <p:sldId id="260" r:id="rId6"/>
   </p:sldIdLst>
   <p:sldSz cx="12192000" cy="6858000"/>
   <p:notesSz cx="6858000" cy="9144000"/>
@@ -245,7 +247,7 @@
           <a:p>
             <a:fld id="{BC2CB47A-4290-47DD-B19E-C265A37A9DFE}" type="datetimeFigureOut">
               <a:rPr lang="en-US" smtClean="0"/>
-              <a:t>9/11/2019</a:t>
+              <a:t>9/13/2019</a:t>
             </a:fld>
             <a:endParaRPr lang="en-US"/>
           </a:p>
@@ -415,7 +417,7 @@
           <a:p>
             <a:fld id="{BC2CB47A-4290-47DD-B19E-C265A37A9DFE}" type="datetimeFigureOut">
               <a:rPr lang="en-US" smtClean="0"/>
-              <a:t>9/11/2019</a:t>
+              <a:t>9/13/2019</a:t>
             </a:fld>
             <a:endParaRPr lang="en-US"/>
           </a:p>
@@ -595,7 +597,7 @@
           <a:p>
             <a:fld id="{BC2CB47A-4290-47DD-B19E-C265A37A9DFE}" type="datetimeFigureOut">
               <a:rPr lang="en-US" smtClean="0"/>
-              <a:t>9/11/2019</a:t>
+              <a:t>9/13/2019</a:t>
             </a:fld>
             <a:endParaRPr lang="en-US"/>
           </a:p>
@@ -765,7 +767,7 @@
           <a:p>
             <a:fld id="{BC2CB47A-4290-47DD-B19E-C265A37A9DFE}" type="datetimeFigureOut">
               <a:rPr lang="en-US" smtClean="0"/>
-              <a:t>9/11/2019</a:t>
+              <a:t>9/13/2019</a:t>
             </a:fld>
             <a:endParaRPr lang="en-US"/>
           </a:p>
@@ -1011,7 +1013,7 @@
           <a:p>
             <a:fld id="{BC2CB47A-4290-47DD-B19E-C265A37A9DFE}" type="datetimeFigureOut">
               <a:rPr lang="en-US" smtClean="0"/>
-              <a:t>9/11/2019</a:t>
+              <a:t>9/13/2019</a:t>
             </a:fld>
             <a:endParaRPr lang="en-US"/>
           </a:p>
@@ -1243,7 +1245,7 @@
           <a:p>
             <a:fld id="{BC2CB47A-4290-47DD-B19E-C265A37A9DFE}" type="datetimeFigureOut">
               <a:rPr lang="en-US" smtClean="0"/>
-              <a:t>9/11/2019</a:t>
+              <a:t>9/13/2019</a:t>
             </a:fld>
             <a:endParaRPr lang="en-US"/>
           </a:p>
@@ -1610,7 +1612,7 @@
           <a:p>
             <a:fld id="{BC2CB47A-4290-47DD-B19E-C265A37A9DFE}" type="datetimeFigureOut">
               <a:rPr lang="en-US" smtClean="0"/>
-              <a:t>9/11/2019</a:t>
+              <a:t>9/13/2019</a:t>
             </a:fld>
             <a:endParaRPr lang="en-US"/>
           </a:p>
@@ -1728,7 +1730,7 @@
           <a:p>
             <a:fld id="{BC2CB47A-4290-47DD-B19E-C265A37A9DFE}" type="datetimeFigureOut">
               <a:rPr lang="en-US" smtClean="0"/>
-              <a:t>9/11/2019</a:t>
+              <a:t>9/13/2019</a:t>
             </a:fld>
             <a:endParaRPr lang="en-US"/>
           </a:p>
@@ -1823,7 +1825,7 @@
           <a:p>
             <a:fld id="{BC2CB47A-4290-47DD-B19E-C265A37A9DFE}" type="datetimeFigureOut">
               <a:rPr lang="en-US" smtClean="0"/>
-              <a:t>9/11/2019</a:t>
+              <a:t>9/13/2019</a:t>
             </a:fld>
             <a:endParaRPr lang="en-US"/>
           </a:p>
@@ -2100,7 +2102,7 @@
           <a:p>
             <a:fld id="{BC2CB47A-4290-47DD-B19E-C265A37A9DFE}" type="datetimeFigureOut">
               <a:rPr lang="en-US" smtClean="0"/>
-              <a:t>9/11/2019</a:t>
+              <a:t>9/13/2019</a:t>
             </a:fld>
             <a:endParaRPr lang="en-US"/>
           </a:p>
@@ -2353,7 +2355,7 @@
           <a:p>
             <a:fld id="{BC2CB47A-4290-47DD-B19E-C265A37A9DFE}" type="datetimeFigureOut">
               <a:rPr lang="en-US" smtClean="0"/>
-              <a:t>9/11/2019</a:t>
+              <a:t>9/13/2019</a:t>
             </a:fld>
             <a:endParaRPr lang="en-US"/>
           </a:p>
@@ -2566,7 +2568,7 @@
           <a:p>
             <a:fld id="{BC2CB47A-4290-47DD-B19E-C265A37A9DFE}" type="datetimeFigureOut">
               <a:rPr lang="en-US" smtClean="0"/>
-              <a:t>9/11/2019</a:t>
+              <a:t>9/13/2019</a:t>
             </a:fld>
             <a:endParaRPr lang="en-US"/>
           </a:p>
@@ -3205,11 +3207,7 @@
           <a:p>
             <a:r>
               <a:rPr lang="en-US" dirty="0" smtClean="0"/>
-              <a:t>Audience: </a:t>
-            </a:r>
-            <a:r>
-              <a:rPr lang="en-US" dirty="0" smtClean="0"/>
-              <a:t>Musicians</a:t>
+              <a:t>Audience: Musicians</a:t>
             </a:r>
           </a:p>
           <a:p>
@@ -3243,6 +3241,39 @@
 <file path=ppt/slides/slide3.xml><?xml version="1.0" encoding="utf-8"?>
 <p:sld xmlns:a="http://schemas.openxmlformats.org/drawingml/2006/main" xmlns:r="http://schemas.openxmlformats.org/officeDocument/2006/relationships" xmlns:p="http://schemas.openxmlformats.org/presentationml/2006/main">
   <p:cSld>
+    <p:bg>
+      <p:bgPr>
+        <a:gradFill>
+          <a:gsLst>
+            <a:gs pos="0">
+              <a:schemeClr val="bg1">
+                <a:lumMod val="50000"/>
+              </a:schemeClr>
+            </a:gs>
+            <a:gs pos="74000">
+              <a:schemeClr val="accent1">
+                <a:lumMod val="45000"/>
+                <a:lumOff val="55000"/>
+              </a:schemeClr>
+            </a:gs>
+            <a:gs pos="83000">
+              <a:schemeClr val="accent1">
+                <a:lumMod val="45000"/>
+                <a:lumOff val="55000"/>
+              </a:schemeClr>
+            </a:gs>
+            <a:gs pos="100000">
+              <a:schemeClr val="accent1">
+                <a:lumMod val="30000"/>
+                <a:lumOff val="70000"/>
+              </a:schemeClr>
+            </a:gs>
+          </a:gsLst>
+          <a:lin ang="5400000" scaled="1"/>
+        </a:gradFill>
+        <a:effectLst/>
+      </p:bgPr>
+    </p:bg>
     <p:spTree>
       <p:nvGrpSpPr>
         <p:cNvPr id="1" name=""/>
@@ -3309,11 +3340,7 @@
           <a:p>
             <a:r>
               <a:rPr lang="en-US" dirty="0" smtClean="0"/>
-              <a:t>Easily compatible with </a:t>
-            </a:r>
-            <a:r>
-              <a:rPr lang="en-US" smtClean="0"/>
-              <a:t>music editors</a:t>
+              <a:t>Easily compatible with music editors</a:t>
             </a:r>
           </a:p>
           <a:p>
@@ -3331,6 +3358,248 @@
   <p:clrMapOvr>
     <a:masterClrMapping/>
   </p:clrMapOvr>
+  <p:timing>
+    <p:tnLst>
+      <p:par>
+        <p:cTn id="1" dur="indefinite" restart="never" nodeType="tmRoot"/>
+      </p:par>
+    </p:tnLst>
+  </p:timing>
+</p:sld>
+</file>
+
+<file path=ppt/slides/slide4.xml><?xml version="1.0" encoding="utf-8"?>
+<p:sld xmlns:a="http://schemas.openxmlformats.org/drawingml/2006/main" xmlns:r="http://schemas.openxmlformats.org/officeDocument/2006/relationships" xmlns:p="http://schemas.openxmlformats.org/presentationml/2006/main">
+  <p:cSld>
+    <p:bg>
+      <p:bgPr>
+        <a:gradFill>
+          <a:gsLst>
+            <a:gs pos="0">
+              <a:schemeClr val="bg1">
+                <a:lumMod val="50000"/>
+              </a:schemeClr>
+            </a:gs>
+            <a:gs pos="74000">
+              <a:schemeClr val="accent1">
+                <a:lumMod val="45000"/>
+                <a:lumOff val="55000"/>
+              </a:schemeClr>
+            </a:gs>
+            <a:gs pos="83000">
+              <a:schemeClr val="accent1">
+                <a:lumMod val="45000"/>
+                <a:lumOff val="55000"/>
+              </a:schemeClr>
+            </a:gs>
+            <a:gs pos="100000">
+              <a:schemeClr val="accent1">
+                <a:lumMod val="30000"/>
+                <a:lumOff val="70000"/>
+              </a:schemeClr>
+            </a:gs>
+          </a:gsLst>
+          <a:lin ang="5400000" scaled="1"/>
+        </a:gradFill>
+        <a:effectLst/>
+      </p:bgPr>
+    </p:bg>
+    <p:spTree>
+      <p:nvGrpSpPr>
+        <p:cNvPr id="1" name=""/>
+        <p:cNvGrpSpPr/>
+        <p:nvPr/>
+      </p:nvGrpSpPr>
+      <p:grpSpPr>
+        <a:xfrm>
+          <a:off x="0" y="0"/>
+          <a:ext cx="0" cy="0"/>
+          <a:chOff x="0" y="0"/>
+          <a:chExt cx="0" cy="0"/>
+        </a:xfrm>
+      </p:grpSpPr>
+      <p:sp>
+        <p:nvSpPr>
+          <p:cNvPr id="2" name="Title 1"/>
+          <p:cNvSpPr>
+            <a:spLocks noGrp="1"/>
+          </p:cNvSpPr>
+          <p:nvPr>
+            <p:ph type="title"/>
+          </p:nvPr>
+        </p:nvSpPr>
+        <p:spPr/>
+        <p:txBody>
+          <a:bodyPr/>
+          <a:lstStyle/>
+          <a:p>
+            <a:r>
+              <a:rPr lang="en-US" dirty="0" smtClean="0"/>
+              <a:t>The Name</a:t>
+            </a:r>
+            <a:endParaRPr lang="en-US" dirty="0"/>
+          </a:p>
+        </p:txBody>
+      </p:sp>
+      <p:sp>
+        <p:nvSpPr>
+          <p:cNvPr id="3" name="Content Placeholder 2"/>
+          <p:cNvSpPr>
+            <a:spLocks noGrp="1"/>
+          </p:cNvSpPr>
+          <p:nvPr>
+            <p:ph idx="1"/>
+          </p:nvPr>
+        </p:nvSpPr>
+        <p:spPr/>
+        <p:txBody>
+          <a:bodyPr/>
+          <a:lstStyle/>
+          <a:p>
+            <a:r>
+              <a:rPr lang="en-US" dirty="0" smtClean="0"/>
+              <a:t>“PARS” is Latin for “pieces”</a:t>
+            </a:r>
+          </a:p>
+          <a:p>
+            <a:r>
+              <a:rPr lang="en-US" dirty="0" smtClean="0"/>
+              <a:t> Short and simple allowing for people to remember the name</a:t>
+            </a:r>
+          </a:p>
+          <a:p>
+            <a:r>
+              <a:rPr lang="en-US" dirty="0" smtClean="0"/>
+              <a:t> Unique</a:t>
+            </a:r>
+          </a:p>
+          <a:p>
+            <a:endParaRPr lang="en-US" dirty="0"/>
+          </a:p>
+        </p:txBody>
+      </p:sp>
+    </p:spTree>
+    <p:extLst>
+      <p:ext uri="{BB962C8B-B14F-4D97-AF65-F5344CB8AC3E}">
+        <p14:creationId xmlns:p14="http://schemas.microsoft.com/office/powerpoint/2010/main" val="550249020"/>
+      </p:ext>
+    </p:extLst>
+  </p:cSld>
+  <p:clrMapOvr>
+    <a:masterClrMapping/>
+  </p:clrMapOvr>
+  <p:timing>
+    <p:tnLst>
+      <p:par>
+        <p:cTn id="1" dur="indefinite" restart="never" nodeType="tmRoot"/>
+      </p:par>
+    </p:tnLst>
+  </p:timing>
+</p:sld>
+</file>
+
+<file path=ppt/slides/slide5.xml><?xml version="1.0" encoding="utf-8"?>
+<p:sld xmlns:a="http://schemas.openxmlformats.org/drawingml/2006/main" xmlns:r="http://schemas.openxmlformats.org/officeDocument/2006/relationships" xmlns:p="http://schemas.openxmlformats.org/presentationml/2006/main">
+  <p:cSld>
+    <p:spTree>
+      <p:nvGrpSpPr>
+        <p:cNvPr id="1" name=""/>
+        <p:cNvGrpSpPr/>
+        <p:nvPr/>
+      </p:nvGrpSpPr>
+      <p:grpSpPr>
+        <a:xfrm>
+          <a:off x="0" y="0"/>
+          <a:ext cx="0" cy="0"/>
+          <a:chOff x="0" y="0"/>
+          <a:chExt cx="0" cy="0"/>
+        </a:xfrm>
+      </p:grpSpPr>
+      <p:sp>
+        <p:nvSpPr>
+          <p:cNvPr id="2" name="Title 1"/>
+          <p:cNvSpPr>
+            <a:spLocks noGrp="1"/>
+          </p:cNvSpPr>
+          <p:nvPr>
+            <p:ph type="title"/>
+          </p:nvPr>
+        </p:nvSpPr>
+        <p:spPr/>
+        <p:txBody>
+          <a:bodyPr/>
+          <a:lstStyle/>
+          <a:p>
+            <a:r>
+              <a:rPr lang="en-US" dirty="0" smtClean="0"/>
+              <a:t>Cost</a:t>
+            </a:r>
+            <a:endParaRPr lang="en-US" dirty="0"/>
+          </a:p>
+        </p:txBody>
+      </p:sp>
+      <p:sp>
+        <p:nvSpPr>
+          <p:cNvPr id="3" name="Content Placeholder 2"/>
+          <p:cNvSpPr>
+            <a:spLocks noGrp="1"/>
+          </p:cNvSpPr>
+          <p:nvPr>
+            <p:ph idx="1"/>
+          </p:nvPr>
+        </p:nvSpPr>
+        <p:spPr/>
+        <p:txBody>
+          <a:bodyPr/>
+          <a:lstStyle/>
+          <a:p>
+            <a:r>
+              <a:rPr lang="en-US" dirty="0" smtClean="0"/>
+              <a:t>Free version: ads, download cap, limited access</a:t>
+            </a:r>
+          </a:p>
+          <a:p>
+            <a:r>
+              <a:rPr lang="en-US" dirty="0" smtClean="0"/>
+              <a:t>Premium: no ads, no download capacity, more access to featured pieces, and more compatible with other music software</a:t>
+            </a:r>
+          </a:p>
+          <a:p>
+            <a:r>
+              <a:rPr lang="en-US" dirty="0" smtClean="0"/>
+              <a:t>Everyone starts with one week free trial</a:t>
+            </a:r>
+          </a:p>
+          <a:p>
+            <a:r>
+              <a:rPr lang="en-US" dirty="0" smtClean="0"/>
+              <a:t>$15 a month or $120 a year (30</a:t>
+            </a:r>
+            <a:r>
+              <a:rPr lang="en-US" smtClean="0"/>
+              <a:t>% discount!)</a:t>
+            </a:r>
+            <a:endParaRPr lang="en-US" dirty="0"/>
+          </a:p>
+        </p:txBody>
+      </p:sp>
+    </p:spTree>
+    <p:extLst>
+      <p:ext uri="{BB962C8B-B14F-4D97-AF65-F5344CB8AC3E}">
+        <p14:creationId xmlns:p14="http://schemas.microsoft.com/office/powerpoint/2010/main" val="3556935467"/>
+      </p:ext>
+    </p:extLst>
+  </p:cSld>
+  <p:clrMapOvr>
+    <a:masterClrMapping/>
+  </p:clrMapOvr>
+  <p:timing>
+    <p:tnLst>
+      <p:par>
+        <p:cTn id="1" dur="indefinite" restart="never" nodeType="tmRoot"/>
+      </p:par>
+    </p:tnLst>
+  </p:timing>
 </p:sld>
 </file>
 

--- a/PARS.pptx
+++ b/PARS.pptx
@@ -247,7 +247,7 @@
           <a:p>
             <a:fld id="{BC2CB47A-4290-47DD-B19E-C265A37A9DFE}" type="datetimeFigureOut">
               <a:rPr lang="en-US" smtClean="0"/>
-              <a:t>9/13/2019</a:t>
+              <a:t>9/18/2019</a:t>
             </a:fld>
             <a:endParaRPr lang="en-US"/>
           </a:p>
@@ -417,7 +417,7 @@
           <a:p>
             <a:fld id="{BC2CB47A-4290-47DD-B19E-C265A37A9DFE}" type="datetimeFigureOut">
               <a:rPr lang="en-US" smtClean="0"/>
-              <a:t>9/13/2019</a:t>
+              <a:t>9/18/2019</a:t>
             </a:fld>
             <a:endParaRPr lang="en-US"/>
           </a:p>
@@ -597,7 +597,7 @@
           <a:p>
             <a:fld id="{BC2CB47A-4290-47DD-B19E-C265A37A9DFE}" type="datetimeFigureOut">
               <a:rPr lang="en-US" smtClean="0"/>
-              <a:t>9/13/2019</a:t>
+              <a:t>9/18/2019</a:t>
             </a:fld>
             <a:endParaRPr lang="en-US"/>
           </a:p>
@@ -767,7 +767,7 @@
           <a:p>
             <a:fld id="{BC2CB47A-4290-47DD-B19E-C265A37A9DFE}" type="datetimeFigureOut">
               <a:rPr lang="en-US" smtClean="0"/>
-              <a:t>9/13/2019</a:t>
+              <a:t>9/18/2019</a:t>
             </a:fld>
             <a:endParaRPr lang="en-US"/>
           </a:p>
@@ -1013,7 +1013,7 @@
           <a:p>
             <a:fld id="{BC2CB47A-4290-47DD-B19E-C265A37A9DFE}" type="datetimeFigureOut">
               <a:rPr lang="en-US" smtClean="0"/>
-              <a:t>9/13/2019</a:t>
+              <a:t>9/18/2019</a:t>
             </a:fld>
             <a:endParaRPr lang="en-US"/>
           </a:p>
@@ -1245,7 +1245,7 @@
           <a:p>
             <a:fld id="{BC2CB47A-4290-47DD-B19E-C265A37A9DFE}" type="datetimeFigureOut">
               <a:rPr lang="en-US" smtClean="0"/>
-              <a:t>9/13/2019</a:t>
+              <a:t>9/18/2019</a:t>
             </a:fld>
             <a:endParaRPr lang="en-US"/>
           </a:p>
@@ -1612,7 +1612,7 @@
           <a:p>
             <a:fld id="{BC2CB47A-4290-47DD-B19E-C265A37A9DFE}" type="datetimeFigureOut">
               <a:rPr lang="en-US" smtClean="0"/>
-              <a:t>9/13/2019</a:t>
+              <a:t>9/18/2019</a:t>
             </a:fld>
             <a:endParaRPr lang="en-US"/>
           </a:p>
@@ -1730,7 +1730,7 @@
           <a:p>
             <a:fld id="{BC2CB47A-4290-47DD-B19E-C265A37A9DFE}" type="datetimeFigureOut">
               <a:rPr lang="en-US" smtClean="0"/>
-              <a:t>9/13/2019</a:t>
+              <a:t>9/18/2019</a:t>
             </a:fld>
             <a:endParaRPr lang="en-US"/>
           </a:p>
@@ -1825,7 +1825,7 @@
           <a:p>
             <a:fld id="{BC2CB47A-4290-47DD-B19E-C265A37A9DFE}" type="datetimeFigureOut">
               <a:rPr lang="en-US" smtClean="0"/>
-              <a:t>9/13/2019</a:t>
+              <a:t>9/18/2019</a:t>
             </a:fld>
             <a:endParaRPr lang="en-US"/>
           </a:p>
@@ -2102,7 +2102,7 @@
           <a:p>
             <a:fld id="{BC2CB47A-4290-47DD-B19E-C265A37A9DFE}" type="datetimeFigureOut">
               <a:rPr lang="en-US" smtClean="0"/>
-              <a:t>9/13/2019</a:t>
+              <a:t>9/18/2019</a:t>
             </a:fld>
             <a:endParaRPr lang="en-US"/>
           </a:p>
@@ -2355,7 +2355,7 @@
           <a:p>
             <a:fld id="{BC2CB47A-4290-47DD-B19E-C265A37A9DFE}" type="datetimeFigureOut">
               <a:rPr lang="en-US" smtClean="0"/>
-              <a:t>9/13/2019</a:t>
+              <a:t>9/18/2019</a:t>
             </a:fld>
             <a:endParaRPr lang="en-US"/>
           </a:p>
@@ -2568,7 +2568,7 @@
           <a:p>
             <a:fld id="{BC2CB47A-4290-47DD-B19E-C265A37A9DFE}" type="datetimeFigureOut">
               <a:rPr lang="en-US" smtClean="0"/>
-              <a:t>9/13/2019</a:t>
+              <a:t>9/18/2019</a:t>
             </a:fld>
             <a:endParaRPr lang="en-US"/>
           </a:p>
@@ -3183,10 +3183,14 @@
           <a:lstStyle/>
           <a:p>
             <a:r>
-              <a:rPr lang="en-US" dirty="0" smtClean="0"/>
+              <a:rPr lang="en-US" dirty="0" smtClean="0">
+                <a:latin typeface="Arial Black" panose="020B0A04020102020204" pitchFamily="34" charset="0"/>
+              </a:rPr>
               <a:t>Why PARS?</a:t>
             </a:r>
-            <a:endParaRPr lang="en-US" dirty="0"/>
+            <a:endParaRPr lang="en-US" dirty="0">
+              <a:latin typeface="Arial Black" panose="020B0A04020102020204" pitchFamily="34" charset="0"/>
+            </a:endParaRPr>
           </a:p>
         </p:txBody>
       </p:sp>
@@ -3202,18 +3206,27 @@
         </p:nvSpPr>
         <p:spPr/>
         <p:txBody>
-          <a:bodyPr/>
-          <a:lstStyle/>
-          <a:p>
-            <a:r>
-              <a:rPr lang="en-US" dirty="0" smtClean="0"/>
+          <a:bodyPr>
+            <a:normAutofit/>
+          </a:bodyPr>
+          <a:lstStyle/>
+          <a:p>
+            <a:r>
+              <a:rPr lang="en-US" sz="3600" dirty="0" smtClean="0"/>
               <a:t>Audience: Musicians</a:t>
             </a:r>
           </a:p>
           <a:p>
             <a:r>
-              <a:rPr lang="en-US" dirty="0" smtClean="0"/>
+              <a:rPr lang="en-US" sz="3600" dirty="0" smtClean="0"/>
               <a:t>Purpose: Allows musicians access to specific pieces of music (vocals, beats, percussion, instruments, etc.) to help them create their own music</a:t>
+            </a:r>
+            <a:endParaRPr lang="en-US" sz="3600" dirty="0"/>
+          </a:p>
+          <a:p>
+            <a:r>
+              <a:rPr lang="en-US" sz="3600" dirty="0" smtClean="0"/>
+              <a:t>Allows for an easy way to make music and remixes</a:t>
             </a:r>
           </a:p>
         </p:txBody>
@@ -3304,10 +3317,14 @@
           <a:lstStyle/>
           <a:p>
             <a:r>
-              <a:rPr lang="en-US" dirty="0" smtClean="0"/>
+              <a:rPr lang="en-US" dirty="0" smtClean="0">
+                <a:latin typeface="Arial Black" panose="020B0A04020102020204" pitchFamily="34" charset="0"/>
+              </a:rPr>
               <a:t>What?</a:t>
             </a:r>
-            <a:endParaRPr lang="en-US" dirty="0"/>
+            <a:endParaRPr lang="en-US" dirty="0">
+              <a:latin typeface="Arial Black" panose="020B0A04020102020204" pitchFamily="34" charset="0"/>
+            </a:endParaRPr>
           </a:p>
         </p:txBody>
       </p:sp>
@@ -3327,23 +3344,36 @@
           <a:lstStyle/>
           <a:p>
             <a:r>
-              <a:rPr lang="en-US" dirty="0" smtClean="0"/>
+              <a:rPr lang="en-US" sz="3200" dirty="0" smtClean="0"/>
               <a:t>Allows the user to search or browse through pieces of music to download for their own music creation</a:t>
             </a:r>
           </a:p>
           <a:p>
             <a:r>
-              <a:rPr lang="en-US" dirty="0" smtClean="0"/>
+              <a:rPr lang="en-US" sz="3200" dirty="0"/>
+              <a:t>You can favorite pieces of your </a:t>
+            </a:r>
+            <a:r>
+              <a:rPr lang="en-US" sz="3200" dirty="0" smtClean="0"/>
+              <a:t>liking</a:t>
+            </a:r>
+          </a:p>
+          <a:p>
+            <a:r>
+              <a:rPr lang="en-US" sz="3200" dirty="0" smtClean="0"/>
               <a:t>Provides recommendations for user through algorithm</a:t>
             </a:r>
           </a:p>
           <a:p>
             <a:r>
-              <a:rPr lang="en-US" dirty="0" smtClean="0"/>
-              <a:t>Easily compatible with music editors</a:t>
-            </a:r>
-          </a:p>
-          <a:p>
+              <a:rPr lang="en-US" sz="3200" dirty="0" smtClean="0"/>
+              <a:t>Easily compatible with music editors (able to download it right into music editor software) or download it onto your computer for later use</a:t>
+            </a:r>
+          </a:p>
+          <a:p>
+            <a:pPr marL="0" indent="0">
+              <a:buNone/>
+            </a:pPr>
             <a:endParaRPr lang="en-US" dirty="0" smtClean="0"/>
           </a:p>
         </p:txBody>
@@ -3434,10 +3464,14 @@
           <a:lstStyle/>
           <a:p>
             <a:r>
-              <a:rPr lang="en-US" dirty="0" smtClean="0"/>
+              <a:rPr lang="en-US" dirty="0" smtClean="0">
+                <a:latin typeface="Arial Black" panose="020B0A04020102020204" pitchFamily="34" charset="0"/>
+              </a:rPr>
               <a:t>The Name</a:t>
             </a:r>
-            <a:endParaRPr lang="en-US" dirty="0"/>
+            <a:endParaRPr lang="en-US" dirty="0">
+              <a:latin typeface="Arial Black" panose="020B0A04020102020204" pitchFamily="34" charset="0"/>
+            </a:endParaRPr>
           </a:p>
         </p:txBody>
       </p:sp>
@@ -3457,19 +3491,19 @@
           <a:lstStyle/>
           <a:p>
             <a:r>
-              <a:rPr lang="en-US" dirty="0" smtClean="0"/>
+              <a:rPr lang="en-US" sz="3600" dirty="0" smtClean="0"/>
               <a:t>“PARS” is Latin for “pieces”</a:t>
             </a:r>
           </a:p>
           <a:p>
             <a:r>
-              <a:rPr lang="en-US" dirty="0" smtClean="0"/>
+              <a:rPr lang="en-US" sz="3600" dirty="0" smtClean="0"/>
               <a:t> Short and simple allowing for people to remember the name</a:t>
             </a:r>
           </a:p>
           <a:p>
             <a:r>
-              <a:rPr lang="en-US" dirty="0" smtClean="0"/>
+              <a:rPr lang="en-US" sz="3600" dirty="0" smtClean="0"/>
               <a:t> Unique</a:t>
             </a:r>
           </a:p>
@@ -3501,6 +3535,39 @@
 <file path=ppt/slides/slide5.xml><?xml version="1.0" encoding="utf-8"?>
 <p:sld xmlns:a="http://schemas.openxmlformats.org/drawingml/2006/main" xmlns:r="http://schemas.openxmlformats.org/officeDocument/2006/relationships" xmlns:p="http://schemas.openxmlformats.org/presentationml/2006/main">
   <p:cSld>
+    <p:bg>
+      <p:bgPr>
+        <a:gradFill>
+          <a:gsLst>
+            <a:gs pos="0">
+              <a:schemeClr val="bg1">
+                <a:lumMod val="50000"/>
+              </a:schemeClr>
+            </a:gs>
+            <a:gs pos="74000">
+              <a:schemeClr val="accent1">
+                <a:lumMod val="45000"/>
+                <a:lumOff val="55000"/>
+              </a:schemeClr>
+            </a:gs>
+            <a:gs pos="83000">
+              <a:schemeClr val="accent1">
+                <a:lumMod val="45000"/>
+                <a:lumOff val="55000"/>
+              </a:schemeClr>
+            </a:gs>
+            <a:gs pos="100000">
+              <a:schemeClr val="accent1">
+                <a:lumMod val="30000"/>
+                <a:lumOff val="70000"/>
+              </a:schemeClr>
+            </a:gs>
+          </a:gsLst>
+          <a:lin ang="5400000" scaled="1"/>
+        </a:gradFill>
+        <a:effectLst/>
+      </p:bgPr>
+    </p:bg>
     <p:spTree>
       <p:nvGrpSpPr>
         <p:cNvPr id="1" name=""/>
@@ -3531,10 +3598,14 @@
           <a:lstStyle/>
           <a:p>
             <a:r>
-              <a:rPr lang="en-US" dirty="0" smtClean="0"/>
+              <a:rPr lang="en-US" dirty="0" smtClean="0">
+                <a:latin typeface="Arial Black" panose="020B0A04020102020204" pitchFamily="34" charset="0"/>
+              </a:rPr>
               <a:t>Cost</a:t>
             </a:r>
-            <a:endParaRPr lang="en-US" dirty="0"/>
+            <a:endParaRPr lang="en-US" dirty="0">
+              <a:latin typeface="Arial Black" panose="020B0A04020102020204" pitchFamily="34" charset="0"/>
+            </a:endParaRPr>
           </a:p>
         </p:txBody>
       </p:sp>
@@ -3550,36 +3621,34 @@
         </p:nvSpPr>
         <p:spPr/>
         <p:txBody>
-          <a:bodyPr/>
-          <a:lstStyle/>
-          <a:p>
-            <a:r>
-              <a:rPr lang="en-US" dirty="0" smtClean="0"/>
+          <a:bodyPr>
+            <a:normAutofit/>
+          </a:bodyPr>
+          <a:lstStyle/>
+          <a:p>
+            <a:r>
+              <a:rPr lang="en-US" sz="3200" dirty="0" smtClean="0"/>
               <a:t>Free version: ads, download cap, limited access</a:t>
             </a:r>
           </a:p>
           <a:p>
             <a:r>
-              <a:rPr lang="en-US" dirty="0" smtClean="0"/>
+              <a:rPr lang="en-US" sz="3200" dirty="0" smtClean="0"/>
               <a:t>Premium: no ads, no download capacity, more access to featured pieces, and more compatible with other music software</a:t>
             </a:r>
           </a:p>
           <a:p>
             <a:r>
-              <a:rPr lang="en-US" dirty="0" smtClean="0"/>
+              <a:rPr lang="en-US" sz="3200" dirty="0" smtClean="0"/>
               <a:t>Everyone starts with one week free trial</a:t>
             </a:r>
           </a:p>
           <a:p>
             <a:r>
-              <a:rPr lang="en-US" dirty="0" smtClean="0"/>
-              <a:t>$15 a month or $120 a year (30</a:t>
-            </a:r>
-            <a:r>
-              <a:rPr lang="en-US" smtClean="0"/>
-              <a:t>% discount!)</a:t>
-            </a:r>
-            <a:endParaRPr lang="en-US" dirty="0"/>
+              <a:rPr lang="en-US" sz="3200" dirty="0" smtClean="0"/>
+              <a:t>$15 a month or $120 a year (30% discount!)</a:t>
+            </a:r>
+            <a:endParaRPr lang="en-US" sz="3200" dirty="0"/>
           </a:p>
         </p:txBody>
       </p:sp>

--- a/PARS.pptx
+++ b/PARS.pptx
@@ -7,9 +7,10 @@
   <p:sldIdLst>
     <p:sldId id="256" r:id="rId2"/>
     <p:sldId id="257" r:id="rId3"/>
-    <p:sldId id="258" r:id="rId4"/>
-    <p:sldId id="259" r:id="rId5"/>
-    <p:sldId id="260" r:id="rId6"/>
+    <p:sldId id="261" r:id="rId4"/>
+    <p:sldId id="258" r:id="rId5"/>
+    <p:sldId id="259" r:id="rId6"/>
+    <p:sldId id="260" r:id="rId7"/>
   </p:sldIdLst>
   <p:sldSz cx="12192000" cy="6858000"/>
   <p:notesSz cx="6858000" cy="9144000"/>
@@ -116,6 +117,59 @@
 </p:presentation>
 </file>
 
+<file path=ppt/revisionInfo.xml><?xml version="1.0" encoding="utf-8"?>
+<p1510:revInfo xmlns:a="http://schemas.openxmlformats.org/drawingml/2006/main" xmlns:r="http://schemas.openxmlformats.org/officeDocument/2006/relationships" xmlns:p1510="http://schemas.microsoft.com/office/powerpoint/2015/10/main">
+  <p1510:revLst>
+    <p1510:client id="{D8234216-317D-485D-A423-4F8B96BF6C8D}" v="6" dt="2019-09-19T10:47:52.334"/>
+  </p1510:revLst>
+</p1510:revInfo>
+</file>
+
+<file path=ppt/changesInfos/changesInfo1.xml><?xml version="1.0" encoding="utf-8"?>
+<pc:chgInfo xmlns:a="http://schemas.openxmlformats.org/drawingml/2006/main" xmlns:r="http://schemas.openxmlformats.org/officeDocument/2006/relationships" xmlns:ac="http://schemas.microsoft.com/office/drawing/2013/main/command" xmlns:pc="http://schemas.microsoft.com/office/powerpoint/2013/main/command">
+  <pc:docChgLst>
+    <pc:chgData name="ethanrhower@gmail.com" userId="a1cf6a4bfb951e7c" providerId="LiveId" clId="{D8234216-317D-485D-A423-4F8B96BF6C8D}"/>
+    <pc:docChg chg="custSel addSld modSld">
+      <pc:chgData name="ethanrhower@gmail.com" userId="a1cf6a4bfb951e7c" providerId="LiveId" clId="{D8234216-317D-485D-A423-4F8B96BF6C8D}" dt="2019-09-19T10:48:23.921" v="48" actId="1076"/>
+      <pc:docMkLst>
+        <pc:docMk/>
+      </pc:docMkLst>
+      <pc:sldChg chg="addSp delSp modSp add setBg">
+        <pc:chgData name="ethanrhower@gmail.com" userId="a1cf6a4bfb951e7c" providerId="LiveId" clId="{D8234216-317D-485D-A423-4F8B96BF6C8D}" dt="2019-09-19T10:48:23.921" v="48" actId="1076"/>
+        <pc:sldMkLst>
+          <pc:docMk/>
+          <pc:sldMk cId="3872192055" sldId="261"/>
+        </pc:sldMkLst>
+        <pc:spChg chg="mod">
+          <ac:chgData name="ethanrhower@gmail.com" userId="a1cf6a4bfb951e7c" providerId="LiveId" clId="{D8234216-317D-485D-A423-4F8B96BF6C8D}" dt="2019-09-19T10:47:35.428" v="42" actId="113"/>
+          <ac:spMkLst>
+            <pc:docMk/>
+            <pc:sldMk cId="3872192055" sldId="261"/>
+            <ac:spMk id="2" creationId="{216767AB-4F5E-4083-B53C-3C3018A4C01E}"/>
+          </ac:spMkLst>
+        </pc:spChg>
+        <pc:spChg chg="del">
+          <ac:chgData name="ethanrhower@gmail.com" userId="a1cf6a4bfb951e7c" providerId="LiveId" clId="{D8234216-317D-485D-A423-4F8B96BF6C8D}" dt="2019-09-19T10:47:39.826" v="43" actId="478"/>
+          <ac:spMkLst>
+            <pc:docMk/>
+            <pc:sldMk cId="3872192055" sldId="261"/>
+            <ac:spMk id="3" creationId="{33178D14-281D-42B5-8208-C0ECADBD429C}"/>
+          </ac:spMkLst>
+        </pc:spChg>
+        <pc:picChg chg="add mod">
+          <ac:chgData name="ethanrhower@gmail.com" userId="a1cf6a4bfb951e7c" providerId="LiveId" clId="{D8234216-317D-485D-A423-4F8B96BF6C8D}" dt="2019-09-19T10:48:23.921" v="48" actId="1076"/>
+          <ac:picMkLst>
+            <pc:docMk/>
+            <pc:sldMk cId="3872192055" sldId="261"/>
+            <ac:picMk id="5" creationId="{4ED473C3-07D4-4A09-B0FC-7BF7BC88DB7C}"/>
+          </ac:picMkLst>
+        </pc:picChg>
+      </pc:sldChg>
+    </pc:docChg>
+  </pc:docChgLst>
+</pc:chgInfo>
+</file>
+
 <file path=ppt/slideLayouts/slideLayout1.xml><?xml version="1.0" encoding="utf-8"?>
 <p:sldLayout xmlns:a="http://schemas.openxmlformats.org/drawingml/2006/main" xmlns:r="http://schemas.openxmlformats.org/officeDocument/2006/relationships" xmlns:p="http://schemas.openxmlformats.org/presentationml/2006/main" type="title" preserve="1">
   <p:cSld name="Title Slide">
@@ -158,10 +212,9 @@
           </a:lstStyle>
           <a:p>
             <a:r>
-              <a:rPr lang="en-US" smtClean="0"/>
+              <a:rPr lang="en-US"/>
               <a:t>Click to edit Master title style</a:t>
             </a:r>
-            <a:endParaRPr lang="en-US"/>
           </a:p>
         </p:txBody>
       </p:sp>
@@ -223,10 +276,9 @@
           </a:lstStyle>
           <a:p>
             <a:r>
-              <a:rPr lang="en-US" smtClean="0"/>
+              <a:rPr lang="en-US"/>
               <a:t>Click to edit Master subtitle style</a:t>
             </a:r>
-            <a:endParaRPr lang="en-US"/>
           </a:p>
         </p:txBody>
       </p:sp>
@@ -247,7 +299,7 @@
           <a:p>
             <a:fld id="{BC2CB47A-4290-47DD-B19E-C265A37A9DFE}" type="datetimeFigureOut">
               <a:rPr lang="en-US" smtClean="0"/>
-              <a:t>9/18/2019</a:t>
+              <a:t>9/19/2019</a:t>
             </a:fld>
             <a:endParaRPr lang="en-US"/>
           </a:p>
@@ -341,10 +393,9 @@
           <a:lstStyle/>
           <a:p>
             <a:r>
-              <a:rPr lang="en-US" smtClean="0"/>
+              <a:rPr lang="en-US"/>
               <a:t>Click to edit Master title style</a:t>
             </a:r>
-            <a:endParaRPr lang="en-US"/>
           </a:p>
         </p:txBody>
       </p:sp>
@@ -365,38 +416,37 @@
           <a:p>
             <a:pPr lvl="0"/>
             <a:r>
-              <a:rPr lang="en-US" smtClean="0"/>
+              <a:rPr lang="en-US"/>
               <a:t>Edit Master text styles</a:t>
             </a:r>
           </a:p>
           <a:p>
             <a:pPr lvl="1"/>
             <a:r>
-              <a:rPr lang="en-US" smtClean="0"/>
+              <a:rPr lang="en-US"/>
               <a:t>Second level</a:t>
             </a:r>
           </a:p>
           <a:p>
             <a:pPr lvl="2"/>
             <a:r>
-              <a:rPr lang="en-US" smtClean="0"/>
+              <a:rPr lang="en-US"/>
               <a:t>Third level</a:t>
             </a:r>
           </a:p>
           <a:p>
             <a:pPr lvl="3"/>
             <a:r>
-              <a:rPr lang="en-US" smtClean="0"/>
+              <a:rPr lang="en-US"/>
               <a:t>Fourth level</a:t>
             </a:r>
           </a:p>
           <a:p>
             <a:pPr lvl="4"/>
             <a:r>
-              <a:rPr lang="en-US" smtClean="0"/>
+              <a:rPr lang="en-US"/>
               <a:t>Fifth level</a:t>
             </a:r>
-            <a:endParaRPr lang="en-US"/>
           </a:p>
         </p:txBody>
       </p:sp>
@@ -417,7 +467,7 @@
           <a:p>
             <a:fld id="{BC2CB47A-4290-47DD-B19E-C265A37A9DFE}" type="datetimeFigureOut">
               <a:rPr lang="en-US" smtClean="0"/>
-              <a:t>9/18/2019</a:t>
+              <a:t>9/19/2019</a:t>
             </a:fld>
             <a:endParaRPr lang="en-US"/>
           </a:p>
@@ -516,10 +566,9 @@
           <a:lstStyle/>
           <a:p>
             <a:r>
-              <a:rPr lang="en-US" smtClean="0"/>
+              <a:rPr lang="en-US"/>
               <a:t>Click to edit Master title style</a:t>
             </a:r>
-            <a:endParaRPr lang="en-US"/>
           </a:p>
         </p:txBody>
       </p:sp>
@@ -545,38 +594,37 @@
           <a:p>
             <a:pPr lvl="0"/>
             <a:r>
-              <a:rPr lang="en-US" smtClean="0"/>
+              <a:rPr lang="en-US"/>
               <a:t>Edit Master text styles</a:t>
             </a:r>
           </a:p>
           <a:p>
             <a:pPr lvl="1"/>
             <a:r>
-              <a:rPr lang="en-US" smtClean="0"/>
+              <a:rPr lang="en-US"/>
               <a:t>Second level</a:t>
             </a:r>
           </a:p>
           <a:p>
             <a:pPr lvl="2"/>
             <a:r>
-              <a:rPr lang="en-US" smtClean="0"/>
+              <a:rPr lang="en-US"/>
               <a:t>Third level</a:t>
             </a:r>
           </a:p>
           <a:p>
             <a:pPr lvl="3"/>
             <a:r>
-              <a:rPr lang="en-US" smtClean="0"/>
+              <a:rPr lang="en-US"/>
               <a:t>Fourth level</a:t>
             </a:r>
           </a:p>
           <a:p>
             <a:pPr lvl="4"/>
             <a:r>
-              <a:rPr lang="en-US" smtClean="0"/>
+              <a:rPr lang="en-US"/>
               <a:t>Fifth level</a:t>
             </a:r>
-            <a:endParaRPr lang="en-US"/>
           </a:p>
         </p:txBody>
       </p:sp>
@@ -597,7 +645,7 @@
           <a:p>
             <a:fld id="{BC2CB47A-4290-47DD-B19E-C265A37A9DFE}" type="datetimeFigureOut">
               <a:rPr lang="en-US" smtClean="0"/>
-              <a:t>9/18/2019</a:t>
+              <a:t>9/19/2019</a:t>
             </a:fld>
             <a:endParaRPr lang="en-US"/>
           </a:p>
@@ -691,10 +739,9 @@
           <a:lstStyle/>
           <a:p>
             <a:r>
-              <a:rPr lang="en-US" smtClean="0"/>
+              <a:rPr lang="en-US"/>
               <a:t>Click to edit Master title style</a:t>
             </a:r>
-            <a:endParaRPr lang="en-US"/>
           </a:p>
         </p:txBody>
       </p:sp>
@@ -715,38 +762,37 @@
           <a:p>
             <a:pPr lvl="0"/>
             <a:r>
-              <a:rPr lang="en-US" smtClean="0"/>
+              <a:rPr lang="en-US"/>
               <a:t>Edit Master text styles</a:t>
             </a:r>
           </a:p>
           <a:p>
             <a:pPr lvl="1"/>
             <a:r>
-              <a:rPr lang="en-US" smtClean="0"/>
+              <a:rPr lang="en-US"/>
               <a:t>Second level</a:t>
             </a:r>
           </a:p>
           <a:p>
             <a:pPr lvl="2"/>
             <a:r>
-              <a:rPr lang="en-US" smtClean="0"/>
+              <a:rPr lang="en-US"/>
               <a:t>Third level</a:t>
             </a:r>
           </a:p>
           <a:p>
             <a:pPr lvl="3"/>
             <a:r>
-              <a:rPr lang="en-US" smtClean="0"/>
+              <a:rPr lang="en-US"/>
               <a:t>Fourth level</a:t>
             </a:r>
           </a:p>
           <a:p>
             <a:pPr lvl="4"/>
             <a:r>
-              <a:rPr lang="en-US" smtClean="0"/>
+              <a:rPr lang="en-US"/>
               <a:t>Fifth level</a:t>
             </a:r>
-            <a:endParaRPr lang="en-US"/>
           </a:p>
         </p:txBody>
       </p:sp>
@@ -767,7 +813,7 @@
           <a:p>
             <a:fld id="{BC2CB47A-4290-47DD-B19E-C265A37A9DFE}" type="datetimeFigureOut">
               <a:rPr lang="en-US" smtClean="0"/>
-              <a:t>9/18/2019</a:t>
+              <a:t>9/19/2019</a:t>
             </a:fld>
             <a:endParaRPr lang="en-US"/>
           </a:p>
@@ -870,10 +916,9 @@
           </a:lstStyle>
           <a:p>
             <a:r>
-              <a:rPr lang="en-US" smtClean="0"/>
+              <a:rPr lang="en-US"/>
               <a:t>Click to edit Master title style</a:t>
             </a:r>
-            <a:endParaRPr lang="en-US"/>
           </a:p>
         </p:txBody>
       </p:sp>
@@ -990,7 +1035,7 @@
           <a:p>
             <a:pPr lvl="0"/>
             <a:r>
-              <a:rPr lang="en-US" smtClean="0"/>
+              <a:rPr lang="en-US"/>
               <a:t>Edit Master text styles</a:t>
             </a:r>
           </a:p>
@@ -1013,7 +1058,7 @@
           <a:p>
             <a:fld id="{BC2CB47A-4290-47DD-B19E-C265A37A9DFE}" type="datetimeFigureOut">
               <a:rPr lang="en-US" smtClean="0"/>
-              <a:t>9/18/2019</a:t>
+              <a:t>9/19/2019</a:t>
             </a:fld>
             <a:endParaRPr lang="en-US"/>
           </a:p>
@@ -1107,10 +1152,9 @@
           <a:lstStyle/>
           <a:p>
             <a:r>
-              <a:rPr lang="en-US" smtClean="0"/>
+              <a:rPr lang="en-US"/>
               <a:t>Click to edit Master title style</a:t>
             </a:r>
-            <a:endParaRPr lang="en-US"/>
           </a:p>
         </p:txBody>
       </p:sp>
@@ -1136,38 +1180,37 @@
           <a:p>
             <a:pPr lvl="0"/>
             <a:r>
-              <a:rPr lang="en-US" smtClean="0"/>
+              <a:rPr lang="en-US"/>
               <a:t>Edit Master text styles</a:t>
             </a:r>
           </a:p>
           <a:p>
             <a:pPr lvl="1"/>
             <a:r>
-              <a:rPr lang="en-US" smtClean="0"/>
+              <a:rPr lang="en-US"/>
               <a:t>Second level</a:t>
             </a:r>
           </a:p>
           <a:p>
             <a:pPr lvl="2"/>
             <a:r>
-              <a:rPr lang="en-US" smtClean="0"/>
+              <a:rPr lang="en-US"/>
               <a:t>Third level</a:t>
             </a:r>
           </a:p>
           <a:p>
             <a:pPr lvl="3"/>
             <a:r>
-              <a:rPr lang="en-US" smtClean="0"/>
+              <a:rPr lang="en-US"/>
               <a:t>Fourth level</a:t>
             </a:r>
           </a:p>
           <a:p>
             <a:pPr lvl="4"/>
             <a:r>
-              <a:rPr lang="en-US" smtClean="0"/>
+              <a:rPr lang="en-US"/>
               <a:t>Fifth level</a:t>
             </a:r>
-            <a:endParaRPr lang="en-US"/>
           </a:p>
         </p:txBody>
       </p:sp>
@@ -1193,38 +1236,37 @@
           <a:p>
             <a:pPr lvl="0"/>
             <a:r>
-              <a:rPr lang="en-US" smtClean="0"/>
+              <a:rPr lang="en-US"/>
               <a:t>Edit Master text styles</a:t>
             </a:r>
           </a:p>
           <a:p>
             <a:pPr lvl="1"/>
             <a:r>
-              <a:rPr lang="en-US" smtClean="0"/>
+              <a:rPr lang="en-US"/>
               <a:t>Second level</a:t>
             </a:r>
           </a:p>
           <a:p>
             <a:pPr lvl="2"/>
             <a:r>
-              <a:rPr lang="en-US" smtClean="0"/>
+              <a:rPr lang="en-US"/>
               <a:t>Third level</a:t>
             </a:r>
           </a:p>
           <a:p>
             <a:pPr lvl="3"/>
             <a:r>
-              <a:rPr lang="en-US" smtClean="0"/>
+              <a:rPr lang="en-US"/>
               <a:t>Fourth level</a:t>
             </a:r>
           </a:p>
           <a:p>
             <a:pPr lvl="4"/>
             <a:r>
-              <a:rPr lang="en-US" smtClean="0"/>
+              <a:rPr lang="en-US"/>
               <a:t>Fifth level</a:t>
             </a:r>
-            <a:endParaRPr lang="en-US"/>
           </a:p>
         </p:txBody>
       </p:sp>
@@ -1245,7 +1287,7 @@
           <a:p>
             <a:fld id="{BC2CB47A-4290-47DD-B19E-C265A37A9DFE}" type="datetimeFigureOut">
               <a:rPr lang="en-US" smtClean="0"/>
-              <a:t>9/18/2019</a:t>
+              <a:t>9/19/2019</a:t>
             </a:fld>
             <a:endParaRPr lang="en-US"/>
           </a:p>
@@ -1344,10 +1386,9 @@
           <a:lstStyle/>
           <a:p>
             <a:r>
-              <a:rPr lang="en-US" smtClean="0"/>
+              <a:rPr lang="en-US"/>
               <a:t>Click to edit Master title style</a:t>
             </a:r>
-            <a:endParaRPr lang="en-US"/>
           </a:p>
         </p:txBody>
       </p:sp>
@@ -1410,7 +1451,7 @@
           <a:p>
             <a:pPr lvl="0"/>
             <a:r>
-              <a:rPr lang="en-US" smtClean="0"/>
+              <a:rPr lang="en-US"/>
               <a:t>Edit Master text styles</a:t>
             </a:r>
           </a:p>
@@ -1438,38 +1479,37 @@
           <a:p>
             <a:pPr lvl="0"/>
             <a:r>
-              <a:rPr lang="en-US" smtClean="0"/>
+              <a:rPr lang="en-US"/>
               <a:t>Edit Master text styles</a:t>
             </a:r>
           </a:p>
           <a:p>
             <a:pPr lvl="1"/>
             <a:r>
-              <a:rPr lang="en-US" smtClean="0"/>
+              <a:rPr lang="en-US"/>
               <a:t>Second level</a:t>
             </a:r>
           </a:p>
           <a:p>
             <a:pPr lvl="2"/>
             <a:r>
-              <a:rPr lang="en-US" smtClean="0"/>
+              <a:rPr lang="en-US"/>
               <a:t>Third level</a:t>
             </a:r>
           </a:p>
           <a:p>
             <a:pPr lvl="3"/>
             <a:r>
-              <a:rPr lang="en-US" smtClean="0"/>
+              <a:rPr lang="en-US"/>
               <a:t>Fourth level</a:t>
             </a:r>
           </a:p>
           <a:p>
             <a:pPr lvl="4"/>
             <a:r>
-              <a:rPr lang="en-US" smtClean="0"/>
+              <a:rPr lang="en-US"/>
               <a:t>Fifth level</a:t>
             </a:r>
-            <a:endParaRPr lang="en-US"/>
           </a:p>
         </p:txBody>
       </p:sp>
@@ -1532,7 +1572,7 @@
           <a:p>
             <a:pPr lvl="0"/>
             <a:r>
-              <a:rPr lang="en-US" smtClean="0"/>
+              <a:rPr lang="en-US"/>
               <a:t>Edit Master text styles</a:t>
             </a:r>
           </a:p>
@@ -1560,38 +1600,37 @@
           <a:p>
             <a:pPr lvl="0"/>
             <a:r>
-              <a:rPr lang="en-US" smtClean="0"/>
+              <a:rPr lang="en-US"/>
               <a:t>Edit Master text styles</a:t>
             </a:r>
           </a:p>
           <a:p>
             <a:pPr lvl="1"/>
             <a:r>
-              <a:rPr lang="en-US" smtClean="0"/>
+              <a:rPr lang="en-US"/>
               <a:t>Second level</a:t>
             </a:r>
           </a:p>
           <a:p>
             <a:pPr lvl="2"/>
             <a:r>
-              <a:rPr lang="en-US" smtClean="0"/>
+              <a:rPr lang="en-US"/>
               <a:t>Third level</a:t>
             </a:r>
           </a:p>
           <a:p>
             <a:pPr lvl="3"/>
             <a:r>
-              <a:rPr lang="en-US" smtClean="0"/>
+              <a:rPr lang="en-US"/>
               <a:t>Fourth level</a:t>
             </a:r>
           </a:p>
           <a:p>
             <a:pPr lvl="4"/>
             <a:r>
-              <a:rPr lang="en-US" smtClean="0"/>
+              <a:rPr lang="en-US"/>
               <a:t>Fifth level</a:t>
             </a:r>
-            <a:endParaRPr lang="en-US"/>
           </a:p>
         </p:txBody>
       </p:sp>
@@ -1612,7 +1651,7 @@
           <a:p>
             <a:fld id="{BC2CB47A-4290-47DD-B19E-C265A37A9DFE}" type="datetimeFigureOut">
               <a:rPr lang="en-US" smtClean="0"/>
-              <a:t>9/18/2019</a:t>
+              <a:t>9/19/2019</a:t>
             </a:fld>
             <a:endParaRPr lang="en-US"/>
           </a:p>
@@ -1706,10 +1745,9 @@
           <a:lstStyle/>
           <a:p>
             <a:r>
-              <a:rPr lang="en-US" smtClean="0"/>
+              <a:rPr lang="en-US"/>
               <a:t>Click to edit Master title style</a:t>
             </a:r>
-            <a:endParaRPr lang="en-US"/>
           </a:p>
         </p:txBody>
       </p:sp>
@@ -1730,7 +1768,7 @@
           <a:p>
             <a:fld id="{BC2CB47A-4290-47DD-B19E-C265A37A9DFE}" type="datetimeFigureOut">
               <a:rPr lang="en-US" smtClean="0"/>
-              <a:t>9/18/2019</a:t>
+              <a:t>9/19/2019</a:t>
             </a:fld>
             <a:endParaRPr lang="en-US"/>
           </a:p>
@@ -1825,7 +1863,7 @@
           <a:p>
             <a:fld id="{BC2CB47A-4290-47DD-B19E-C265A37A9DFE}" type="datetimeFigureOut">
               <a:rPr lang="en-US" smtClean="0"/>
-              <a:t>9/18/2019</a:t>
+              <a:t>9/19/2019</a:t>
             </a:fld>
             <a:endParaRPr lang="en-US"/>
           </a:p>
@@ -1928,10 +1966,9 @@
           </a:lstStyle>
           <a:p>
             <a:r>
-              <a:rPr lang="en-US" smtClean="0"/>
+              <a:rPr lang="en-US"/>
               <a:t>Click to edit Master title style</a:t>
             </a:r>
-            <a:endParaRPr lang="en-US"/>
           </a:p>
         </p:txBody>
       </p:sp>
@@ -1985,38 +2022,37 @@
           <a:p>
             <a:pPr lvl="0"/>
             <a:r>
-              <a:rPr lang="en-US" smtClean="0"/>
+              <a:rPr lang="en-US"/>
               <a:t>Edit Master text styles</a:t>
             </a:r>
           </a:p>
           <a:p>
             <a:pPr lvl="1"/>
             <a:r>
-              <a:rPr lang="en-US" smtClean="0"/>
+              <a:rPr lang="en-US"/>
               <a:t>Second level</a:t>
             </a:r>
           </a:p>
           <a:p>
             <a:pPr lvl="2"/>
             <a:r>
-              <a:rPr lang="en-US" smtClean="0"/>
+              <a:rPr lang="en-US"/>
               <a:t>Third level</a:t>
             </a:r>
           </a:p>
           <a:p>
             <a:pPr lvl="3"/>
             <a:r>
-              <a:rPr lang="en-US" smtClean="0"/>
+              <a:rPr lang="en-US"/>
               <a:t>Fourth level</a:t>
             </a:r>
           </a:p>
           <a:p>
             <a:pPr lvl="4"/>
             <a:r>
-              <a:rPr lang="en-US" smtClean="0"/>
+              <a:rPr lang="en-US"/>
               <a:t>Fifth level</a:t>
             </a:r>
-            <a:endParaRPr lang="en-US"/>
           </a:p>
         </p:txBody>
       </p:sp>
@@ -2079,7 +2115,7 @@
           <a:p>
             <a:pPr lvl="0"/>
             <a:r>
-              <a:rPr lang="en-US" smtClean="0"/>
+              <a:rPr lang="en-US"/>
               <a:t>Edit Master text styles</a:t>
             </a:r>
           </a:p>
@@ -2102,7 +2138,7 @@
           <a:p>
             <a:fld id="{BC2CB47A-4290-47DD-B19E-C265A37A9DFE}" type="datetimeFigureOut">
               <a:rPr lang="en-US" smtClean="0"/>
-              <a:t>9/18/2019</a:t>
+              <a:t>9/19/2019</a:t>
             </a:fld>
             <a:endParaRPr lang="en-US"/>
           </a:p>
@@ -2205,10 +2241,9 @@
           </a:lstStyle>
           <a:p>
             <a:r>
-              <a:rPr lang="en-US" smtClean="0"/>
+              <a:rPr lang="en-US"/>
               <a:t>Click to edit Master title style</a:t>
             </a:r>
-            <a:endParaRPr lang="en-US"/>
           </a:p>
         </p:txBody>
       </p:sp>
@@ -2332,7 +2367,7 @@
           <a:p>
             <a:pPr lvl="0"/>
             <a:r>
-              <a:rPr lang="en-US" smtClean="0"/>
+              <a:rPr lang="en-US"/>
               <a:t>Edit Master text styles</a:t>
             </a:r>
           </a:p>
@@ -2355,7 +2390,7 @@
           <a:p>
             <a:fld id="{BC2CB47A-4290-47DD-B19E-C265A37A9DFE}" type="datetimeFigureOut">
               <a:rPr lang="en-US" smtClean="0"/>
-              <a:t>9/18/2019</a:t>
+              <a:t>9/19/2019</a:t>
             </a:fld>
             <a:endParaRPr lang="en-US"/>
           </a:p>
@@ -2464,10 +2499,9 @@
           <a:lstStyle/>
           <a:p>
             <a:r>
-              <a:rPr lang="en-US" smtClean="0"/>
+              <a:rPr lang="en-US"/>
               <a:t>Click to edit Master title style</a:t>
             </a:r>
-            <a:endParaRPr lang="en-US"/>
           </a:p>
         </p:txBody>
       </p:sp>
@@ -2498,38 +2532,37 @@
           <a:p>
             <a:pPr lvl="0"/>
             <a:r>
-              <a:rPr lang="en-US" smtClean="0"/>
+              <a:rPr lang="en-US"/>
               <a:t>Edit Master text styles</a:t>
             </a:r>
           </a:p>
           <a:p>
             <a:pPr lvl="1"/>
             <a:r>
-              <a:rPr lang="en-US" smtClean="0"/>
+              <a:rPr lang="en-US"/>
               <a:t>Second level</a:t>
             </a:r>
           </a:p>
           <a:p>
             <a:pPr lvl="2"/>
             <a:r>
-              <a:rPr lang="en-US" smtClean="0"/>
+              <a:rPr lang="en-US"/>
               <a:t>Third level</a:t>
             </a:r>
           </a:p>
           <a:p>
             <a:pPr lvl="3"/>
             <a:r>
-              <a:rPr lang="en-US" smtClean="0"/>
+              <a:rPr lang="en-US"/>
               <a:t>Fourth level</a:t>
             </a:r>
           </a:p>
           <a:p>
             <a:pPr lvl="4"/>
             <a:r>
-              <a:rPr lang="en-US" smtClean="0"/>
+              <a:rPr lang="en-US"/>
               <a:t>Fifth level</a:t>
             </a:r>
-            <a:endParaRPr lang="en-US"/>
           </a:p>
         </p:txBody>
       </p:sp>
@@ -2568,7 +2601,7 @@
           <a:p>
             <a:fld id="{BC2CB47A-4290-47DD-B19E-C265A37A9DFE}" type="datetimeFigureOut">
               <a:rPr lang="en-US" smtClean="0"/>
-              <a:t>9/18/2019</a:t>
+              <a:t>9/19/2019</a:t>
             </a:fld>
             <a:endParaRPr lang="en-US"/>
           </a:p>
@@ -3030,7 +3063,7 @@
           <a:lstStyle/>
           <a:p>
             <a:r>
-              <a:rPr lang="en-US" sz="23900" b="1" dirty="0" smtClean="0">
+              <a:rPr lang="en-US" sz="23900" b="1" dirty="0">
                 <a:ln w="19050">
                   <a:solidFill>
                     <a:schemeClr val="bg1"/>
@@ -3074,24 +3107,24 @@
           <a:lstStyle/>
           <a:p>
             <a:r>
-              <a:rPr lang="en-US" sz="2000" dirty="0" smtClean="0"/>
+              <a:rPr lang="en-US" sz="2000" dirty="0"/>
               <a:t>Ethan </a:t>
             </a:r>
             <a:r>
-              <a:rPr lang="en-US" sz="2000" dirty="0" err="1" smtClean="0"/>
+              <a:rPr lang="en-US" sz="2000" dirty="0" err="1"/>
               <a:t>Hower</a:t>
             </a:r>
-            <a:endParaRPr lang="en-US" sz="2000" dirty="0" smtClean="0"/>
-          </a:p>
-          <a:p>
-            <a:r>
-              <a:rPr lang="en-US" sz="2000" dirty="0" smtClean="0"/>
+            <a:endParaRPr lang="en-US" sz="2000" dirty="0"/>
+          </a:p>
+          <a:p>
+            <a:r>
+              <a:rPr lang="en-US" sz="2000" dirty="0"/>
               <a:t>Alan Yang</a:t>
             </a:r>
           </a:p>
           <a:p>
             <a:r>
-              <a:rPr lang="en-US" sz="2000" dirty="0" smtClean="0"/>
+              <a:rPr lang="en-US" sz="2000" dirty="0"/>
               <a:t>Jonas Funk</a:t>
             </a:r>
           </a:p>
@@ -3107,13 +3140,6 @@
   <p:clrMapOvr>
     <a:masterClrMapping/>
   </p:clrMapOvr>
-  <p:timing>
-    <p:tnLst>
-      <p:par>
-        <p:cTn id="1" dur="indefinite" restart="never" nodeType="tmRoot"/>
-      </p:par>
-    </p:tnLst>
-  </p:timing>
 </p:sld>
 </file>
 
@@ -3183,14 +3209,11 @@
           <a:lstStyle/>
           <a:p>
             <a:r>
-              <a:rPr lang="en-US" dirty="0" smtClean="0">
+              <a:rPr lang="en-US" dirty="0">
                 <a:latin typeface="Arial Black" panose="020B0A04020102020204" pitchFamily="34" charset="0"/>
               </a:rPr>
               <a:t>Why PARS?</a:t>
             </a:r>
-            <a:endParaRPr lang="en-US" dirty="0">
-              <a:latin typeface="Arial Black" panose="020B0A04020102020204" pitchFamily="34" charset="0"/>
-            </a:endParaRPr>
           </a:p>
         </p:txBody>
       </p:sp>
@@ -3212,20 +3235,19 @@
           <a:lstStyle/>
           <a:p>
             <a:r>
-              <a:rPr lang="en-US" sz="3600" dirty="0" smtClean="0"/>
+              <a:rPr lang="en-US" sz="3600" dirty="0"/>
               <a:t>Audience: Musicians</a:t>
             </a:r>
           </a:p>
           <a:p>
             <a:r>
-              <a:rPr lang="en-US" sz="3600" dirty="0" smtClean="0"/>
+              <a:rPr lang="en-US" sz="3600" dirty="0"/>
               <a:t>Purpose: Allows musicians access to specific pieces of music (vocals, beats, percussion, instruments, etc.) to help them create their own music</a:t>
             </a:r>
-            <a:endParaRPr lang="en-US" sz="3600" dirty="0"/>
-          </a:p>
-          <a:p>
-            <a:r>
-              <a:rPr lang="en-US" sz="3600" dirty="0" smtClean="0"/>
+          </a:p>
+          <a:p>
+            <a:r>
+              <a:rPr lang="en-US" sz="3600" dirty="0"/>
               <a:t>Allows for an easy way to make music and remixes</a:t>
             </a:r>
           </a:p>
@@ -3241,13 +3263,6 @@
   <p:clrMapOvr>
     <a:masterClrMapping/>
   </p:clrMapOvr>
-  <p:timing>
-    <p:tnLst>
-      <p:par>
-        <p:cTn id="1" dur="indefinite" restart="never" nodeType="tmRoot"/>
-      </p:par>
-    </p:tnLst>
-  </p:timing>
 </p:sld>
 </file>
 
@@ -3303,7 +3318,13 @@
       </p:grpSpPr>
       <p:sp>
         <p:nvSpPr>
-          <p:cNvPr id="2" name="Title 1"/>
+          <p:cNvPr id="2" name="Title 1">
+            <a:extLst>
+              <a:ext uri="{FF2B5EF4-FFF2-40B4-BE49-F238E27FC236}">
+                <a16:creationId xmlns:a16="http://schemas.microsoft.com/office/drawing/2014/main" id="{216767AB-4F5E-4083-B53C-3C3018A4C01E}"/>
+              </a:ext>
+            </a:extLst>
+          </p:cNvPr>
           <p:cNvSpPr>
             <a:spLocks noGrp="1"/>
           </p:cNvSpPr>
@@ -3317,84 +3338,58 @@
           <a:lstStyle/>
           <a:p>
             <a:r>
-              <a:rPr lang="en-US" dirty="0" smtClean="0">
-                <a:latin typeface="Arial Black" panose="020B0A04020102020204" pitchFamily="34" charset="0"/>
-              </a:rPr>
-              <a:t>What?</a:t>
-            </a:r>
-            <a:endParaRPr lang="en-US" dirty="0">
-              <a:latin typeface="Arial Black" panose="020B0A04020102020204" pitchFamily="34" charset="0"/>
-            </a:endParaRPr>
-          </a:p>
-        </p:txBody>
-      </p:sp>
-      <p:sp>
-        <p:nvSpPr>
-          <p:cNvPr id="3" name="Content Placeholder 2"/>
-          <p:cNvSpPr>
-            <a:spLocks noGrp="1"/>
-          </p:cNvSpPr>
-          <p:nvPr>
-            <p:ph idx="1"/>
-          </p:nvPr>
-        </p:nvSpPr>
-        <p:spPr/>
-        <p:txBody>
-          <a:bodyPr/>
-          <a:lstStyle/>
-          <a:p>
-            <a:r>
-              <a:rPr lang="en-US" sz="3200" dirty="0" smtClean="0"/>
-              <a:t>Allows the user to search or browse through pieces of music to download for their own music creation</a:t>
-            </a:r>
-          </a:p>
-          <a:p>
-            <a:r>
-              <a:rPr lang="en-US" sz="3200" dirty="0"/>
-              <a:t>You can favorite pieces of your </a:t>
-            </a:r>
-            <a:r>
-              <a:rPr lang="en-US" sz="3200" dirty="0" smtClean="0"/>
-              <a:t>liking</a:t>
-            </a:r>
-          </a:p>
-          <a:p>
-            <a:r>
-              <a:rPr lang="en-US" sz="3200" dirty="0" smtClean="0"/>
-              <a:t>Provides recommendations for user through algorithm</a:t>
-            </a:r>
-          </a:p>
-          <a:p>
-            <a:r>
-              <a:rPr lang="en-US" sz="3200" dirty="0" smtClean="0"/>
-              <a:t>Easily compatible with music editors (able to download it right into music editor software) or download it onto your computer for later use</a:t>
-            </a:r>
-          </a:p>
-          <a:p>
-            <a:pPr marL="0" indent="0">
-              <a:buNone/>
-            </a:pPr>
-            <a:endParaRPr lang="en-US" dirty="0" smtClean="0"/>
-          </a:p>
-        </p:txBody>
-      </p:sp>
+              <a:rPr lang="en-US" b="1" dirty="0"/>
+              <a:t>Download Screen</a:t>
+            </a:r>
+          </a:p>
+        </p:txBody>
+      </p:sp>
+      <p:pic>
+        <p:nvPicPr>
+          <p:cNvPr id="5" name="Picture 4">
+            <a:extLst>
+              <a:ext uri="{FF2B5EF4-FFF2-40B4-BE49-F238E27FC236}">
+                <a16:creationId xmlns:a16="http://schemas.microsoft.com/office/drawing/2014/main" id="{4ED473C3-07D4-4A09-B0FC-7BF7BC88DB7C}"/>
+              </a:ext>
+            </a:extLst>
+          </p:cNvPr>
+          <p:cNvPicPr>
+            <a:picLocks noChangeAspect="1"/>
+          </p:cNvPicPr>
+          <p:nvPr/>
+        </p:nvPicPr>
+        <p:blipFill>
+          <a:blip r:embed="rId2">
+            <a:extLst>
+              <a:ext uri="{28A0092B-C50C-407E-A947-70E740481C1C}">
+                <a14:useLocalDpi xmlns:a14="http://schemas.microsoft.com/office/drawing/2010/main" val="0"/>
+              </a:ext>
+            </a:extLst>
+          </a:blip>
+          <a:stretch>
+            <a:fillRect/>
+          </a:stretch>
+        </p:blipFill>
+        <p:spPr>
+          <a:xfrm>
+            <a:off x="1122008" y="1262259"/>
+            <a:ext cx="9947983" cy="5595741"/>
+          </a:xfrm>
+          <a:prstGeom prst="rect">
+            <a:avLst/>
+          </a:prstGeom>
+        </p:spPr>
+      </p:pic>
     </p:spTree>
     <p:extLst>
       <p:ext uri="{BB962C8B-B14F-4D97-AF65-F5344CB8AC3E}">
-        <p14:creationId xmlns:p14="http://schemas.microsoft.com/office/powerpoint/2010/main" val="2834658849"/>
+        <p14:creationId xmlns:p14="http://schemas.microsoft.com/office/powerpoint/2010/main" val="3872192055"/>
       </p:ext>
     </p:extLst>
   </p:cSld>
   <p:clrMapOvr>
     <a:masterClrMapping/>
   </p:clrMapOvr>
-  <p:timing>
-    <p:tnLst>
-      <p:par>
-        <p:cTn id="1" dur="indefinite" restart="never" nodeType="tmRoot"/>
-      </p:par>
-    </p:tnLst>
-  </p:timing>
 </p:sld>
 </file>
 
@@ -3464,14 +3459,11 @@
           <a:lstStyle/>
           <a:p>
             <a:r>
-              <a:rPr lang="en-US" dirty="0" smtClean="0">
+              <a:rPr lang="en-US" dirty="0">
                 <a:latin typeface="Arial Black" panose="020B0A04020102020204" pitchFamily="34" charset="0"/>
               </a:rPr>
-              <a:t>The Name</a:t>
-            </a:r>
-            <a:endParaRPr lang="en-US" dirty="0">
-              <a:latin typeface="Arial Black" panose="020B0A04020102020204" pitchFamily="34" charset="0"/>
-            </a:endParaRPr>
+              <a:t>What?</a:t>
+            </a:r>
           </a:p>
         </p:txBody>
       </p:sp>
@@ -3491,23 +3483,32 @@
           <a:lstStyle/>
           <a:p>
             <a:r>
-              <a:rPr lang="en-US" sz="3600" dirty="0" smtClean="0"/>
-              <a:t>“PARS” is Latin for “pieces”</a:t>
-            </a:r>
-          </a:p>
-          <a:p>
-            <a:r>
-              <a:rPr lang="en-US" sz="3600" dirty="0" smtClean="0"/>
-              <a:t> Short and simple allowing for people to remember the name</a:t>
-            </a:r>
-          </a:p>
-          <a:p>
-            <a:r>
-              <a:rPr lang="en-US" sz="3600" dirty="0" smtClean="0"/>
-              <a:t> Unique</a:t>
-            </a:r>
-          </a:p>
-          <a:p>
+              <a:rPr lang="en-US" sz="3200" dirty="0"/>
+              <a:t>Allows the user to search or browse through pieces of music to download for their own music creation</a:t>
+            </a:r>
+          </a:p>
+          <a:p>
+            <a:r>
+              <a:rPr lang="en-US" sz="3200" dirty="0"/>
+              <a:t>You can favorite pieces of your liking</a:t>
+            </a:r>
+          </a:p>
+          <a:p>
+            <a:r>
+              <a:rPr lang="en-US" sz="3200" dirty="0"/>
+              <a:t>Provides recommendations for user through algorithm</a:t>
+            </a:r>
+          </a:p>
+          <a:p>
+            <a:r>
+              <a:rPr lang="en-US" sz="3200" dirty="0"/>
+              <a:t>Easily compatible with music editors (able to download it right into music editor software) or download it onto your computer for later use</a:t>
+            </a:r>
+          </a:p>
+          <a:p>
+            <a:pPr marL="0" indent="0">
+              <a:buNone/>
+            </a:pPr>
             <a:endParaRPr lang="en-US" dirty="0"/>
           </a:p>
         </p:txBody>
@@ -3515,20 +3516,13 @@
     </p:spTree>
     <p:extLst>
       <p:ext uri="{BB962C8B-B14F-4D97-AF65-F5344CB8AC3E}">
-        <p14:creationId xmlns:p14="http://schemas.microsoft.com/office/powerpoint/2010/main" val="550249020"/>
+        <p14:creationId xmlns:p14="http://schemas.microsoft.com/office/powerpoint/2010/main" val="2834658849"/>
       </p:ext>
     </p:extLst>
   </p:cSld>
   <p:clrMapOvr>
     <a:masterClrMapping/>
   </p:clrMapOvr>
-  <p:timing>
-    <p:tnLst>
-      <p:par>
-        <p:cTn id="1" dur="indefinite" restart="never" nodeType="tmRoot"/>
-      </p:par>
-    </p:tnLst>
-  </p:timing>
 </p:sld>
 </file>
 
@@ -3598,14 +3592,135 @@
           <a:lstStyle/>
           <a:p>
             <a:r>
-              <a:rPr lang="en-US" dirty="0" smtClean="0">
+              <a:rPr lang="en-US" dirty="0">
+                <a:latin typeface="Arial Black" panose="020B0A04020102020204" pitchFamily="34" charset="0"/>
+              </a:rPr>
+              <a:t>The Name</a:t>
+            </a:r>
+          </a:p>
+        </p:txBody>
+      </p:sp>
+      <p:sp>
+        <p:nvSpPr>
+          <p:cNvPr id="3" name="Content Placeholder 2"/>
+          <p:cNvSpPr>
+            <a:spLocks noGrp="1"/>
+          </p:cNvSpPr>
+          <p:nvPr>
+            <p:ph idx="1"/>
+          </p:nvPr>
+        </p:nvSpPr>
+        <p:spPr/>
+        <p:txBody>
+          <a:bodyPr/>
+          <a:lstStyle/>
+          <a:p>
+            <a:r>
+              <a:rPr lang="en-US" sz="3600" dirty="0"/>
+              <a:t>“PARS” is Latin for “pieces”</a:t>
+            </a:r>
+          </a:p>
+          <a:p>
+            <a:r>
+              <a:rPr lang="en-US" sz="3600" dirty="0"/>
+              <a:t> Short and simple allowing for people to remember the name</a:t>
+            </a:r>
+          </a:p>
+          <a:p>
+            <a:r>
+              <a:rPr lang="en-US" sz="3600" dirty="0"/>
+              <a:t> Unique</a:t>
+            </a:r>
+          </a:p>
+          <a:p>
+            <a:endParaRPr lang="en-US" dirty="0"/>
+          </a:p>
+        </p:txBody>
+      </p:sp>
+    </p:spTree>
+    <p:extLst>
+      <p:ext uri="{BB962C8B-B14F-4D97-AF65-F5344CB8AC3E}">
+        <p14:creationId xmlns:p14="http://schemas.microsoft.com/office/powerpoint/2010/main" val="550249020"/>
+      </p:ext>
+    </p:extLst>
+  </p:cSld>
+  <p:clrMapOvr>
+    <a:masterClrMapping/>
+  </p:clrMapOvr>
+</p:sld>
+</file>
+
+<file path=ppt/slides/slide6.xml><?xml version="1.0" encoding="utf-8"?>
+<p:sld xmlns:a="http://schemas.openxmlformats.org/drawingml/2006/main" xmlns:r="http://schemas.openxmlformats.org/officeDocument/2006/relationships" xmlns:p="http://schemas.openxmlformats.org/presentationml/2006/main">
+  <p:cSld>
+    <p:bg>
+      <p:bgPr>
+        <a:gradFill>
+          <a:gsLst>
+            <a:gs pos="0">
+              <a:schemeClr val="bg1">
+                <a:lumMod val="50000"/>
+              </a:schemeClr>
+            </a:gs>
+            <a:gs pos="74000">
+              <a:schemeClr val="accent1">
+                <a:lumMod val="45000"/>
+                <a:lumOff val="55000"/>
+              </a:schemeClr>
+            </a:gs>
+            <a:gs pos="83000">
+              <a:schemeClr val="accent1">
+                <a:lumMod val="45000"/>
+                <a:lumOff val="55000"/>
+              </a:schemeClr>
+            </a:gs>
+            <a:gs pos="100000">
+              <a:schemeClr val="accent1">
+                <a:lumMod val="30000"/>
+                <a:lumOff val="70000"/>
+              </a:schemeClr>
+            </a:gs>
+          </a:gsLst>
+          <a:lin ang="5400000" scaled="1"/>
+        </a:gradFill>
+        <a:effectLst/>
+      </p:bgPr>
+    </p:bg>
+    <p:spTree>
+      <p:nvGrpSpPr>
+        <p:cNvPr id="1" name=""/>
+        <p:cNvGrpSpPr/>
+        <p:nvPr/>
+      </p:nvGrpSpPr>
+      <p:grpSpPr>
+        <a:xfrm>
+          <a:off x="0" y="0"/>
+          <a:ext cx="0" cy="0"/>
+          <a:chOff x="0" y="0"/>
+          <a:chExt cx="0" cy="0"/>
+        </a:xfrm>
+      </p:grpSpPr>
+      <p:sp>
+        <p:nvSpPr>
+          <p:cNvPr id="2" name="Title 1"/>
+          <p:cNvSpPr>
+            <a:spLocks noGrp="1"/>
+          </p:cNvSpPr>
+          <p:nvPr>
+            <p:ph type="title"/>
+          </p:nvPr>
+        </p:nvSpPr>
+        <p:spPr/>
+        <p:txBody>
+          <a:bodyPr/>
+          <a:lstStyle/>
+          <a:p>
+            <a:r>
+              <a:rPr lang="en-US" dirty="0">
                 <a:latin typeface="Arial Black" panose="020B0A04020102020204" pitchFamily="34" charset="0"/>
               </a:rPr>
               <a:t>Cost</a:t>
             </a:r>
-            <a:endParaRPr lang="en-US" dirty="0">
-              <a:latin typeface="Arial Black" panose="020B0A04020102020204" pitchFamily="34" charset="0"/>
-            </a:endParaRPr>
           </a:p>
         </p:txBody>
       </p:sp>
@@ -3627,28 +3742,27 @@
           <a:lstStyle/>
           <a:p>
             <a:r>
-              <a:rPr lang="en-US" sz="3200" dirty="0" smtClean="0"/>
+              <a:rPr lang="en-US" sz="3200" dirty="0"/>
               <a:t>Free version: ads, download cap, limited access</a:t>
             </a:r>
           </a:p>
           <a:p>
             <a:r>
-              <a:rPr lang="en-US" sz="3200" dirty="0" smtClean="0"/>
+              <a:rPr lang="en-US" sz="3200" dirty="0"/>
               <a:t>Premium: no ads, no download capacity, more access to featured pieces, and more compatible with other music software</a:t>
             </a:r>
           </a:p>
           <a:p>
             <a:r>
-              <a:rPr lang="en-US" sz="3200" dirty="0" smtClean="0"/>
+              <a:rPr lang="en-US" sz="3200" dirty="0"/>
               <a:t>Everyone starts with one week free trial</a:t>
             </a:r>
           </a:p>
           <a:p>
             <a:r>
-              <a:rPr lang="en-US" sz="3200" dirty="0" smtClean="0"/>
+              <a:rPr lang="en-US" sz="3200" dirty="0"/>
               <a:t>$15 a month or $120 a year (30% discount!)</a:t>
             </a:r>
-            <a:endParaRPr lang="en-US" sz="3200" dirty="0"/>
           </a:p>
         </p:txBody>
       </p:sp>
@@ -3662,13 +3776,6 @@
   <p:clrMapOvr>
     <a:masterClrMapping/>
   </p:clrMapOvr>
-  <p:timing>
-    <p:tnLst>
-      <p:par>
-        <p:cTn id="1" dur="indefinite" restart="never" nodeType="tmRoot"/>
-      </p:par>
-    </p:tnLst>
-  </p:timing>
 </p:sld>
 </file>
 

--- a/PARS.pptx
+++ b/PARS.pptx
@@ -9,8 +9,9 @@
     <p:sldId id="257" r:id="rId3"/>
     <p:sldId id="261" r:id="rId4"/>
     <p:sldId id="258" r:id="rId5"/>
-    <p:sldId id="259" r:id="rId6"/>
-    <p:sldId id="260" r:id="rId7"/>
+    <p:sldId id="262" r:id="rId6"/>
+    <p:sldId id="259" r:id="rId7"/>
+    <p:sldId id="260" r:id="rId8"/>
   </p:sldIdLst>
   <p:sldSz cx="12192000" cy="6858000"/>
   <p:notesSz cx="6858000" cy="9144000"/>
@@ -120,7 +121,7 @@
 <file path=ppt/revisionInfo.xml><?xml version="1.0" encoding="utf-8"?>
 <p1510:revInfo xmlns:a="http://schemas.openxmlformats.org/drawingml/2006/main" xmlns:r="http://schemas.openxmlformats.org/officeDocument/2006/relationships" xmlns:p1510="http://schemas.microsoft.com/office/powerpoint/2015/10/main">
   <p1510:revLst>
-    <p1510:client id="{D8234216-317D-485D-A423-4F8B96BF6C8D}" v="6" dt="2019-09-19T10:47:52.334"/>
+    <p1510:client id="{D8234216-317D-485D-A423-4F8B96BF6C8D}" v="10" dt="2019-09-19T23:38:01.123"/>
   </p1510:revLst>
 </p1510:revInfo>
 </file>
@@ -130,18 +131,18 @@
   <pc:docChgLst>
     <pc:chgData name="ethanrhower@gmail.com" userId="a1cf6a4bfb951e7c" providerId="LiveId" clId="{D8234216-317D-485D-A423-4F8B96BF6C8D}"/>
     <pc:docChg chg="custSel addSld modSld">
-      <pc:chgData name="ethanrhower@gmail.com" userId="a1cf6a4bfb951e7c" providerId="LiveId" clId="{D8234216-317D-485D-A423-4F8B96BF6C8D}" dt="2019-09-19T10:48:23.921" v="48" actId="1076"/>
+      <pc:chgData name="ethanrhower@gmail.com" userId="a1cf6a4bfb951e7c" providerId="LiveId" clId="{D8234216-317D-485D-A423-4F8B96BF6C8D}" dt="2019-09-19T23:38:49.157" v="115" actId="1076"/>
       <pc:docMkLst>
         <pc:docMk/>
       </pc:docMkLst>
       <pc:sldChg chg="addSp delSp modSp add setBg">
-        <pc:chgData name="ethanrhower@gmail.com" userId="a1cf6a4bfb951e7c" providerId="LiveId" clId="{D8234216-317D-485D-A423-4F8B96BF6C8D}" dt="2019-09-19T10:48:23.921" v="48" actId="1076"/>
+        <pc:chgData name="ethanrhower@gmail.com" userId="a1cf6a4bfb951e7c" providerId="LiveId" clId="{D8234216-317D-485D-A423-4F8B96BF6C8D}" dt="2019-09-19T23:36:33.910" v="58" actId="20577"/>
         <pc:sldMkLst>
           <pc:docMk/>
           <pc:sldMk cId="3872192055" sldId="261"/>
         </pc:sldMkLst>
         <pc:spChg chg="mod">
-          <ac:chgData name="ethanrhower@gmail.com" userId="a1cf6a4bfb951e7c" providerId="LiveId" clId="{D8234216-317D-485D-A423-4F8B96BF6C8D}" dt="2019-09-19T10:47:35.428" v="42" actId="113"/>
+          <ac:chgData name="ethanrhower@gmail.com" userId="a1cf6a4bfb951e7c" providerId="LiveId" clId="{D8234216-317D-485D-A423-4F8B96BF6C8D}" dt="2019-09-19T23:36:33.910" v="58" actId="20577"/>
           <ac:spMkLst>
             <pc:docMk/>
             <pc:sldMk cId="3872192055" sldId="261"/>
@@ -162,6 +163,37 @@
             <pc:docMk/>
             <pc:sldMk cId="3872192055" sldId="261"/>
             <ac:picMk id="5" creationId="{4ED473C3-07D4-4A09-B0FC-7BF7BC88DB7C}"/>
+          </ac:picMkLst>
+        </pc:picChg>
+      </pc:sldChg>
+      <pc:sldChg chg="addSp delSp modSp add setBg">
+        <pc:chgData name="ethanrhower@gmail.com" userId="a1cf6a4bfb951e7c" providerId="LiveId" clId="{D8234216-317D-485D-A423-4F8B96BF6C8D}" dt="2019-09-19T23:38:49.157" v="115" actId="1076"/>
+        <pc:sldMkLst>
+          <pc:docMk/>
+          <pc:sldMk cId="3037089807" sldId="262"/>
+        </pc:sldMkLst>
+        <pc:spChg chg="mod">
+          <ac:chgData name="ethanrhower@gmail.com" userId="a1cf6a4bfb951e7c" providerId="LiveId" clId="{D8234216-317D-485D-A423-4F8B96BF6C8D}" dt="2019-09-19T23:37:28.737" v="103" actId="20577"/>
+          <ac:spMkLst>
+            <pc:docMk/>
+            <pc:sldMk cId="3037089807" sldId="262"/>
+            <ac:spMk id="2" creationId="{E73896DA-D3BB-49BF-8B08-5973E88BFBA4}"/>
+          </ac:spMkLst>
+        </pc:spChg>
+        <pc:spChg chg="del">
+          <ac:chgData name="ethanrhower@gmail.com" userId="a1cf6a4bfb951e7c" providerId="LiveId" clId="{D8234216-317D-485D-A423-4F8B96BF6C8D}" dt="2019-09-19T23:38:01.123" v="104" actId="931"/>
+          <ac:spMkLst>
+            <pc:docMk/>
+            <pc:sldMk cId="3037089807" sldId="262"/>
+            <ac:spMk id="3" creationId="{3BE98B2C-51FA-4262-A529-EB48C9E37256}"/>
+          </ac:spMkLst>
+        </pc:spChg>
+        <pc:picChg chg="add mod">
+          <ac:chgData name="ethanrhower@gmail.com" userId="a1cf6a4bfb951e7c" providerId="LiveId" clId="{D8234216-317D-485D-A423-4F8B96BF6C8D}" dt="2019-09-19T23:38:49.157" v="115" actId="1076"/>
+          <ac:picMkLst>
+            <pc:docMk/>
+            <pc:sldMk cId="3037089807" sldId="262"/>
+            <ac:picMk id="5" creationId="{1FB715D7-9FEA-4B4F-AC23-F812C605C366}"/>
           </ac:picMkLst>
         </pc:picChg>
       </pc:sldChg>
@@ -3339,7 +3371,7 @@
           <a:p>
             <a:r>
               <a:rPr lang="en-US" b="1" dirty="0"/>
-              <a:t>Download Screen</a:t>
+              <a:t>Download Menu</a:t>
             </a:r>
           </a:p>
         </p:txBody>
@@ -3578,6 +3610,132 @@
       </p:grpSpPr>
       <p:sp>
         <p:nvSpPr>
+          <p:cNvPr id="2" name="Title 1">
+            <a:extLst>
+              <a:ext uri="{FF2B5EF4-FFF2-40B4-BE49-F238E27FC236}">
+                <a16:creationId xmlns:a16="http://schemas.microsoft.com/office/drawing/2014/main" id="{E73896DA-D3BB-49BF-8B08-5973E88BFBA4}"/>
+              </a:ext>
+            </a:extLst>
+          </p:cNvPr>
+          <p:cNvSpPr>
+            <a:spLocks noGrp="1"/>
+          </p:cNvSpPr>
+          <p:nvPr>
+            <p:ph type="title"/>
+          </p:nvPr>
+        </p:nvSpPr>
+        <p:spPr/>
+        <p:txBody>
+          <a:bodyPr/>
+          <a:lstStyle/>
+          <a:p>
+            <a:r>
+              <a:rPr lang="en-US" dirty="0"/>
+              <a:t>Opening Menu</a:t>
+            </a:r>
+          </a:p>
+        </p:txBody>
+      </p:sp>
+      <p:pic>
+        <p:nvPicPr>
+          <p:cNvPr id="5" name="Content Placeholder 4" descr="A screenshot of a cell phone&#10;&#10;Description automatically generated">
+            <a:extLst>
+              <a:ext uri="{FF2B5EF4-FFF2-40B4-BE49-F238E27FC236}">
+                <a16:creationId xmlns:a16="http://schemas.microsoft.com/office/drawing/2014/main" id="{1FB715D7-9FEA-4B4F-AC23-F812C605C366}"/>
+              </a:ext>
+            </a:extLst>
+          </p:cNvPr>
+          <p:cNvPicPr>
+            <a:picLocks noGrp="1" noChangeAspect="1"/>
+          </p:cNvPicPr>
+          <p:nvPr>
+            <p:ph idx="1"/>
+          </p:nvPr>
+        </p:nvPicPr>
+        <p:blipFill>
+          <a:blip r:embed="rId2">
+            <a:extLst>
+              <a:ext uri="{28A0092B-C50C-407E-A947-70E740481C1C}">
+                <a14:useLocalDpi xmlns:a14="http://schemas.microsoft.com/office/drawing/2010/main" val="0"/>
+              </a:ext>
+            </a:extLst>
+          </a:blip>
+          <a:stretch>
+            <a:fillRect/>
+          </a:stretch>
+        </p:blipFill>
+        <p:spPr>
+          <a:xfrm>
+            <a:off x="1174140" y="1320907"/>
+            <a:ext cx="9843720" cy="5537093"/>
+          </a:xfrm>
+        </p:spPr>
+      </p:pic>
+    </p:spTree>
+    <p:extLst>
+      <p:ext uri="{BB962C8B-B14F-4D97-AF65-F5344CB8AC3E}">
+        <p14:creationId xmlns:p14="http://schemas.microsoft.com/office/powerpoint/2010/main" val="3037089807"/>
+      </p:ext>
+    </p:extLst>
+  </p:cSld>
+  <p:clrMapOvr>
+    <a:masterClrMapping/>
+  </p:clrMapOvr>
+</p:sld>
+</file>
+
+<file path=ppt/slides/slide6.xml><?xml version="1.0" encoding="utf-8"?>
+<p:sld xmlns:a="http://schemas.openxmlformats.org/drawingml/2006/main" xmlns:r="http://schemas.openxmlformats.org/officeDocument/2006/relationships" xmlns:p="http://schemas.openxmlformats.org/presentationml/2006/main">
+  <p:cSld>
+    <p:bg>
+      <p:bgPr>
+        <a:gradFill>
+          <a:gsLst>
+            <a:gs pos="0">
+              <a:schemeClr val="bg1">
+                <a:lumMod val="50000"/>
+              </a:schemeClr>
+            </a:gs>
+            <a:gs pos="74000">
+              <a:schemeClr val="accent1">
+                <a:lumMod val="45000"/>
+                <a:lumOff val="55000"/>
+              </a:schemeClr>
+            </a:gs>
+            <a:gs pos="83000">
+              <a:schemeClr val="accent1">
+                <a:lumMod val="45000"/>
+                <a:lumOff val="55000"/>
+              </a:schemeClr>
+            </a:gs>
+            <a:gs pos="100000">
+              <a:schemeClr val="accent1">
+                <a:lumMod val="30000"/>
+                <a:lumOff val="70000"/>
+              </a:schemeClr>
+            </a:gs>
+          </a:gsLst>
+          <a:lin ang="5400000" scaled="1"/>
+        </a:gradFill>
+        <a:effectLst/>
+      </p:bgPr>
+    </p:bg>
+    <p:spTree>
+      <p:nvGrpSpPr>
+        <p:cNvPr id="1" name=""/>
+        <p:cNvGrpSpPr/>
+        <p:nvPr/>
+      </p:nvGrpSpPr>
+      <p:grpSpPr>
+        <a:xfrm>
+          <a:off x="0" y="0"/>
+          <a:ext cx="0" cy="0"/>
+          <a:chOff x="0" y="0"/>
+          <a:chExt cx="0" cy="0"/>
+        </a:xfrm>
+      </p:grpSpPr>
+      <p:sp>
+        <p:nvSpPr>
           <p:cNvPr id="2" name="Title 1"/>
           <p:cNvSpPr>
             <a:spLocks noGrp="1"/>
@@ -3650,7 +3808,7 @@
 </p:sld>
 </file>
 
-<file path=ppt/slides/slide6.xml><?xml version="1.0" encoding="utf-8"?>
+<file path=ppt/slides/slide7.xml><?xml version="1.0" encoding="utf-8"?>
 <p:sld xmlns:a="http://schemas.openxmlformats.org/drawingml/2006/main" xmlns:r="http://schemas.openxmlformats.org/officeDocument/2006/relationships" xmlns:p="http://schemas.openxmlformats.org/presentationml/2006/main">
   <p:cSld>
     <p:bg>
